--- a/dissertation/mydissertation/mid/mid_resp/picture_disertation.pptx
+++ b/dissertation/mydissertation/mid/mid_resp/picture_disertation.pptx
@@ -9,6 +9,9 @@
     <p:sldId id="257" r:id="rId3"/>
     <p:sldId id="258" r:id="rId4"/>
     <p:sldId id="259" r:id="rId5"/>
+    <p:sldId id="260" r:id="rId6"/>
+    <p:sldId id="261" r:id="rId7"/>
+    <p:sldId id="262" r:id="rId8"/>
   </p:sldIdLst>
   <p:sldSz cx="12192000" cy="6858000"/>
   <p:notesSz cx="6858000" cy="9144000"/>
@@ -262,7 +265,7 @@
           <a:p>
             <a:fld id="{8F02DF68-6EC6-A74D-B421-C40452E5A6E2}" type="datetimeFigureOut">
               <a:rPr kumimoji="1" lang="zh-CN" altLang="en-US" smtClean="0"/>
-              <a:t>2019/12/5</a:t>
+              <a:t>2019/12/19</a:t>
             </a:fld>
             <a:endParaRPr kumimoji="1" lang="zh-CN" altLang="en-US"/>
           </a:p>
@@ -435,7 +438,7 @@
           <a:p>
             <a:fld id="{8F02DF68-6EC6-A74D-B421-C40452E5A6E2}" type="datetimeFigureOut">
               <a:rPr kumimoji="1" lang="zh-CN" altLang="en-US" smtClean="0"/>
-              <a:t>2019/12/5</a:t>
+              <a:t>2019/12/19</a:t>
             </a:fld>
             <a:endParaRPr kumimoji="1" lang="zh-CN" altLang="en-US"/>
           </a:p>
@@ -618,7 +621,7 @@
           <a:p>
             <a:fld id="{8F02DF68-6EC6-A74D-B421-C40452E5A6E2}" type="datetimeFigureOut">
               <a:rPr kumimoji="1" lang="zh-CN" altLang="en-US" smtClean="0"/>
-              <a:t>2019/12/5</a:t>
+              <a:t>2019/12/19</a:t>
             </a:fld>
             <a:endParaRPr kumimoji="1" lang="zh-CN" altLang="en-US"/>
           </a:p>
@@ -791,7 +794,7 @@
           <a:p>
             <a:fld id="{8F02DF68-6EC6-A74D-B421-C40452E5A6E2}" type="datetimeFigureOut">
               <a:rPr kumimoji="1" lang="zh-CN" altLang="en-US" smtClean="0"/>
-              <a:t>2019/12/5</a:t>
+              <a:t>2019/12/19</a:t>
             </a:fld>
             <a:endParaRPr kumimoji="1" lang="zh-CN" altLang="en-US"/>
           </a:p>
@@ -1069,7 +1072,7 @@
           <a:p>
             <a:fld id="{8F02DF68-6EC6-A74D-B421-C40452E5A6E2}" type="datetimeFigureOut">
               <a:rPr kumimoji="1" lang="zh-CN" altLang="en-US" smtClean="0"/>
-              <a:t>2019/12/5</a:t>
+              <a:t>2019/12/19</a:t>
             </a:fld>
             <a:endParaRPr kumimoji="1" lang="zh-CN" altLang="en-US"/>
           </a:p>
@@ -1284,7 +1287,7 @@
           <a:p>
             <a:fld id="{8F02DF68-6EC6-A74D-B421-C40452E5A6E2}" type="datetimeFigureOut">
               <a:rPr kumimoji="1" lang="zh-CN" altLang="en-US" smtClean="0"/>
-              <a:t>2019/12/5</a:t>
+              <a:t>2019/12/19</a:t>
             </a:fld>
             <a:endParaRPr kumimoji="1" lang="zh-CN" altLang="en-US"/>
           </a:p>
@@ -1652,7 +1655,7 @@
           <a:p>
             <a:fld id="{8F02DF68-6EC6-A74D-B421-C40452E5A6E2}" type="datetimeFigureOut">
               <a:rPr kumimoji="1" lang="zh-CN" altLang="en-US" smtClean="0"/>
-              <a:t>2019/12/5</a:t>
+              <a:t>2019/12/19</a:t>
             </a:fld>
             <a:endParaRPr kumimoji="1" lang="zh-CN" altLang="en-US"/>
           </a:p>
@@ -1793,7 +1796,7 @@
           <a:p>
             <a:fld id="{8F02DF68-6EC6-A74D-B421-C40452E5A6E2}" type="datetimeFigureOut">
               <a:rPr kumimoji="1" lang="zh-CN" altLang="en-US" smtClean="0"/>
-              <a:t>2019/12/5</a:t>
+              <a:t>2019/12/19</a:t>
             </a:fld>
             <a:endParaRPr kumimoji="1" lang="zh-CN" altLang="en-US"/>
           </a:p>
@@ -1906,7 +1909,7 @@
           <a:p>
             <a:fld id="{8F02DF68-6EC6-A74D-B421-C40452E5A6E2}" type="datetimeFigureOut">
               <a:rPr kumimoji="1" lang="zh-CN" altLang="en-US" smtClean="0"/>
-              <a:t>2019/12/5</a:t>
+              <a:t>2019/12/19</a:t>
             </a:fld>
             <a:endParaRPr kumimoji="1" lang="zh-CN" altLang="en-US"/>
           </a:p>
@@ -2195,7 +2198,7 @@
           <a:p>
             <a:fld id="{8F02DF68-6EC6-A74D-B421-C40452E5A6E2}" type="datetimeFigureOut">
               <a:rPr kumimoji="1" lang="zh-CN" altLang="en-US" smtClean="0"/>
-              <a:t>2019/12/5</a:t>
+              <a:t>2019/12/19</a:t>
             </a:fld>
             <a:endParaRPr kumimoji="1" lang="zh-CN" altLang="en-US"/>
           </a:p>
@@ -2486,7 +2489,7 @@
           <a:p>
             <a:fld id="{8F02DF68-6EC6-A74D-B421-C40452E5A6E2}" type="datetimeFigureOut">
               <a:rPr kumimoji="1" lang="zh-CN" altLang="en-US" smtClean="0"/>
-              <a:t>2019/12/5</a:t>
+              <a:t>2019/12/19</a:t>
             </a:fld>
             <a:endParaRPr kumimoji="1" lang="zh-CN" altLang="en-US"/>
           </a:p>
@@ -2702,7 +2705,7 @@
           <a:p>
             <a:fld id="{8F02DF68-6EC6-A74D-B421-C40452E5A6E2}" type="datetimeFigureOut">
               <a:rPr kumimoji="1" lang="zh-CN" altLang="en-US" smtClean="0"/>
-              <a:t>2019/12/5</a:t>
+              <a:t>2019/12/19</a:t>
             </a:fld>
             <a:endParaRPr kumimoji="1" lang="zh-CN" altLang="en-US"/>
           </a:p>
@@ -7573,7 +7576,7 @@
         </p:nvSpPr>
         <p:spPr>
           <a:xfrm>
-            <a:off x="4332467" y="4417199"/>
+            <a:off x="4430140" y="4362523"/>
             <a:ext cx="579005" cy="338554"/>
           </a:xfrm>
           <a:prstGeom prst="rect">
@@ -7650,7 +7653,7 @@
         </p:nvSpPr>
         <p:spPr>
           <a:xfrm>
-            <a:off x="4182784" y="4919847"/>
+            <a:off x="4333557" y="4832501"/>
             <a:ext cx="982961" cy="369332"/>
           </a:xfrm>
           <a:prstGeom prst="rect">
@@ -10777,145 +10780,6 @@
           </p:sp>
         </mc:Fallback>
       </mc:AlternateContent>
-      <mc:AlternateContent xmlns:mc="http://schemas.openxmlformats.org/markup-compatibility/2006" xmlns:a14="http://schemas.microsoft.com/office/drawing/2010/main">
-        <mc:Choice Requires="a14">
-          <p:sp>
-            <p:nvSpPr>
-              <p:cNvPr id="68" name="文本框 67">
-                <a:extLst>
-                  <a:ext uri="{FF2B5EF4-FFF2-40B4-BE49-F238E27FC236}">
-                    <a16:creationId xmlns:a16="http://schemas.microsoft.com/office/drawing/2014/main" id="{1C1BCA05-2C0C-7047-A3A6-9719D2102831}"/>
-                  </a:ext>
-                </a:extLst>
-              </p:cNvPr>
-              <p:cNvSpPr txBox="1"/>
-              <p:nvPr/>
-            </p:nvSpPr>
-            <p:spPr>
-              <a:xfrm>
-                <a:off x="10710281" y="4553684"/>
-                <a:ext cx="687048" cy="369332"/>
-              </a:xfrm>
-              <a:prstGeom prst="rect">
-                <a:avLst/>
-              </a:prstGeom>
-              <a:noFill/>
-            </p:spPr>
-            <p:txBody>
-              <a:bodyPr wrap="none" rtlCol="0">
-                <a:spAutoFit/>
-              </a:bodyPr>
-              <a:lstStyle/>
-              <a:p>
-                <a:pPr/>
-                <a14:m>
-                  <m:oMathPara xmlns:m="http://schemas.openxmlformats.org/officeDocument/2006/math">
-                    <m:oMathParaPr>
-                      <m:jc m:val="centerGroup"/>
-                    </m:oMathParaPr>
-                    <m:oMath xmlns:m="http://schemas.openxmlformats.org/officeDocument/2006/math">
-                      <m:r>
-                        <a:rPr kumimoji="1" lang="zh-CN" altLang="en-US" i="1" smtClean="0">
-                          <a:latin typeface="Cambria Math" panose="02040503050406030204" pitchFamily="18" charset="0"/>
-                        </a:rPr>
-                        <m:t>∆</m:t>
-                      </m:r>
-                      <m:acc>
-                        <m:accPr>
-                          <m:chr m:val="̂"/>
-                          <m:ctrlPr>
-                            <a:rPr kumimoji="1" lang="zh-CN" altLang="en-US" i="1" smtClean="0">
-                              <a:latin typeface="Cambria Math" panose="02040503050406030204" pitchFamily="18" charset="0"/>
-                            </a:rPr>
-                          </m:ctrlPr>
-                        </m:accPr>
-                        <m:e>
-                          <m:sSub>
-                            <m:sSubPr>
-                              <m:ctrlPr>
-                                <a:rPr kumimoji="1" lang="en-US" altLang="zh-CN" i="1" smtClean="0">
-                                  <a:latin typeface="Cambria Math" panose="02040503050406030204" pitchFamily="18" charset="0"/>
-                                </a:rPr>
-                              </m:ctrlPr>
-                            </m:sSubPr>
-                            <m:e>
-                              <m:r>
-                                <a:rPr kumimoji="1" lang="en-US" altLang="zh-CN" b="0" i="1" smtClean="0">
-                                  <a:latin typeface="Cambria Math" panose="02040503050406030204" pitchFamily="18" charset="0"/>
-                                </a:rPr>
-                                <m:t>𝑝</m:t>
-                              </m:r>
-                            </m:e>
-                            <m:sub>
-                              <m:r>
-                                <a:rPr kumimoji="1" lang="en-US" altLang="zh-CN" b="0" i="1" smtClean="0">
-                                  <a:latin typeface="Cambria Math" panose="02040503050406030204" pitchFamily="18" charset="0"/>
-                                </a:rPr>
-                                <m:t>𝑡</m:t>
-                              </m:r>
-                              <m:r>
-                                <a:rPr kumimoji="1" lang="en-US" altLang="zh-CN" b="0" i="1" smtClean="0">
-                                  <a:latin typeface="Cambria Math" panose="02040503050406030204" pitchFamily="18" charset="0"/>
-                                </a:rPr>
-                                <m:t>0</m:t>
-                              </m:r>
-                            </m:sub>
-                          </m:sSub>
-                        </m:e>
-                      </m:acc>
-                    </m:oMath>
-                  </m:oMathPara>
-                </a14:m>
-                <a:endParaRPr kumimoji="1" lang="zh-CN" altLang="en-US" dirty="0"/>
-              </a:p>
-            </p:txBody>
-          </p:sp>
-        </mc:Choice>
-        <mc:Fallback xmlns="">
-          <p:sp>
-            <p:nvSpPr>
-              <p:cNvPr id="68" name="文本框 67">
-                <a:extLst>
-                  <a:ext uri="{FF2B5EF4-FFF2-40B4-BE49-F238E27FC236}">
-                    <a16:creationId xmlns:a16="http://schemas.microsoft.com/office/drawing/2014/main" id="{1C1BCA05-2C0C-7047-A3A6-9719D2102831}"/>
-                  </a:ext>
-                </a:extLst>
-              </p:cNvPr>
-              <p:cNvSpPr txBox="1">
-                <a:spLocks noRot="1" noChangeAspect="1" noMove="1" noResize="1" noEditPoints="1" noAdjustHandles="1" noChangeArrowheads="1" noChangeShapeType="1" noTextEdit="1"/>
-              </p:cNvSpPr>
-              <p:nvPr/>
-            </p:nvSpPr>
-            <p:spPr>
-              <a:xfrm>
-                <a:off x="10710281" y="4553684"/>
-                <a:ext cx="687048" cy="369332"/>
-              </a:xfrm>
-              <a:prstGeom prst="rect">
-                <a:avLst/>
-              </a:prstGeom>
-              <a:blipFill>
-                <a:blip r:embed="rId10"/>
-                <a:stretch>
-                  <a:fillRect b="-3333"/>
-                </a:stretch>
-              </a:blipFill>
-            </p:spPr>
-            <p:txBody>
-              <a:bodyPr/>
-              <a:lstStyle/>
-              <a:p>
-                <a:r>
-                  <a:rPr lang="zh-CN" altLang="en-US">
-                    <a:noFill/>
-                  </a:rPr>
-                  <a:t> </a:t>
-                </a:r>
-              </a:p>
-            </p:txBody>
-          </p:sp>
-        </mc:Fallback>
-      </mc:AlternateContent>
       <p:sp>
         <p:nvSpPr>
           <p:cNvPr id="42" name="矩形 41">
@@ -11593,6 +11457,36 @@
           </a:p>
         </p:txBody>
       </p:sp>
+      <p:pic>
+        <p:nvPicPr>
+          <p:cNvPr id="3" name="图片 2">
+            <a:extLst>
+              <a:ext uri="{FF2B5EF4-FFF2-40B4-BE49-F238E27FC236}">
+                <a16:creationId xmlns:a16="http://schemas.microsoft.com/office/drawing/2014/main" id="{B6459F5B-C752-6C46-B87E-FF5FDADE26B8}"/>
+              </a:ext>
+            </a:extLst>
+          </p:cNvPr>
+          <p:cNvPicPr>
+            <a:picLocks noChangeAspect="1"/>
+          </p:cNvPicPr>
+          <p:nvPr/>
+        </p:nvPicPr>
+        <p:blipFill>
+          <a:blip r:embed="rId12"/>
+          <a:stretch>
+            <a:fillRect/>
+          </a:stretch>
+        </p:blipFill>
+        <p:spPr>
+          <a:xfrm>
+            <a:off x="10781669" y="4538008"/>
+            <a:ext cx="502169" cy="344079"/>
+          </a:xfrm>
+          <a:prstGeom prst="rect">
+            <a:avLst/>
+          </a:prstGeom>
+        </p:spPr>
+      </p:pic>
     </p:spTree>
     <p:extLst>
       <p:ext uri="{BB962C8B-B14F-4D97-AF65-F5344CB8AC3E}">
@@ -11872,8 +11766,8 @@
         </p:nvSpPr>
         <p:spPr>
           <a:xfrm>
-            <a:off x="805981" y="2586669"/>
-            <a:ext cx="982961" cy="369332"/>
+            <a:off x="555818" y="2530397"/>
+            <a:ext cx="1348446" cy="369332"/>
           </a:xfrm>
           <a:prstGeom prst="rect">
             <a:avLst/>
@@ -11888,7 +11782,7 @@
           <a:p>
             <a:r>
               <a:rPr kumimoji="1" lang="en-US" altLang="zh-CN" dirty="0"/>
-              <a:t>64</a:t>
+              <a:t>128</a:t>
             </a:r>
             <a:r>
               <a:rPr kumimoji="1" lang="zh-CN" altLang="en-US" dirty="0"/>
@@ -11896,7 +11790,7 @@
             </a:r>
             <a:r>
               <a:rPr kumimoji="1" lang="en-US" altLang="zh-CN" dirty="0"/>
-              <a:t>64</a:t>
+              <a:t>128</a:t>
             </a:r>
             <a:r>
               <a:rPr kumimoji="1" lang="zh-CN" altLang="en-US" dirty="0"/>
@@ -11904,7 +11798,7 @@
             </a:r>
             <a:r>
               <a:rPr kumimoji="1" lang="en-US" altLang="zh-CN" dirty="0"/>
-              <a:t>3</a:t>
+              <a:t>12</a:t>
             </a:r>
             <a:endParaRPr kumimoji="1" lang="zh-CN" altLang="en-US" dirty="0"/>
           </a:p>
@@ -13513,6 +13407,2246 @@
     <p:extLst>
       <p:ext uri="{BB962C8B-B14F-4D97-AF65-F5344CB8AC3E}">
         <p14:creationId xmlns:p14="http://schemas.microsoft.com/office/powerpoint/2010/main" val="612405285"/>
+      </p:ext>
+    </p:extLst>
+  </p:cSld>
+  <p:clrMapOvr>
+    <a:masterClrMapping/>
+  </p:clrMapOvr>
+</p:sld>
+</file>
+
+<file path=ppt/slides/slide5.xml><?xml version="1.0" encoding="utf-8"?>
+<p:sld xmlns:a="http://schemas.openxmlformats.org/drawingml/2006/main" xmlns:r="http://schemas.openxmlformats.org/officeDocument/2006/relationships" xmlns:p="http://schemas.openxmlformats.org/presentationml/2006/main">
+  <p:cSld>
+    <p:spTree>
+      <p:nvGrpSpPr>
+        <p:cNvPr id="1" name=""/>
+        <p:cNvGrpSpPr/>
+        <p:nvPr/>
+      </p:nvGrpSpPr>
+      <p:grpSpPr>
+        <a:xfrm>
+          <a:off x="0" y="0"/>
+          <a:ext cx="0" cy="0"/>
+          <a:chOff x="0" y="0"/>
+          <a:chExt cx="0" cy="0"/>
+        </a:xfrm>
+      </p:grpSpPr>
+      <p:sp>
+        <p:nvSpPr>
+          <p:cNvPr id="5" name="椭圆 4">
+            <a:extLst>
+              <a:ext uri="{FF2B5EF4-FFF2-40B4-BE49-F238E27FC236}">
+                <a16:creationId xmlns:a16="http://schemas.microsoft.com/office/drawing/2014/main" id="{17E57B40-B13B-1E49-8DC2-3677E5D12011}"/>
+              </a:ext>
+            </a:extLst>
+          </p:cNvPr>
+          <p:cNvSpPr/>
+          <p:nvPr/>
+        </p:nvSpPr>
+        <p:spPr>
+          <a:xfrm>
+            <a:off x="2021058" y="1219200"/>
+            <a:ext cx="478302" cy="478302"/>
+          </a:xfrm>
+          <a:prstGeom prst="ellipse">
+            <a:avLst/>
+          </a:prstGeom>
+          <a:noFill/>
+        </p:spPr>
+        <p:style>
+          <a:lnRef idx="2">
+            <a:schemeClr val="accent1">
+              <a:shade val="50000"/>
+            </a:schemeClr>
+          </a:lnRef>
+          <a:fillRef idx="1">
+            <a:schemeClr val="accent1"/>
+          </a:fillRef>
+          <a:effectRef idx="0">
+            <a:schemeClr val="accent1"/>
+          </a:effectRef>
+          <a:fontRef idx="minor">
+            <a:schemeClr val="lt1"/>
+          </a:fontRef>
+        </p:style>
+        <p:txBody>
+          <a:bodyPr rtlCol="0" anchor="ctr"/>
+          <a:lstStyle/>
+          <a:p>
+            <a:pPr algn="ctr"/>
+            <a:endParaRPr kumimoji="1" lang="zh-CN" altLang="en-US"/>
+          </a:p>
+        </p:txBody>
+      </p:sp>
+      <p:sp>
+        <p:nvSpPr>
+          <p:cNvPr id="6" name="椭圆 5">
+            <a:extLst>
+              <a:ext uri="{FF2B5EF4-FFF2-40B4-BE49-F238E27FC236}">
+                <a16:creationId xmlns:a16="http://schemas.microsoft.com/office/drawing/2014/main" id="{5C2D9E39-25D0-A347-84AD-9CC6BE3A3174}"/>
+              </a:ext>
+            </a:extLst>
+          </p:cNvPr>
+          <p:cNvSpPr/>
+          <p:nvPr/>
+        </p:nvSpPr>
+        <p:spPr>
+          <a:xfrm>
+            <a:off x="1966573" y="3428665"/>
+            <a:ext cx="478302" cy="478302"/>
+          </a:xfrm>
+          <a:prstGeom prst="ellipse">
+            <a:avLst/>
+          </a:prstGeom>
+          <a:noFill/>
+        </p:spPr>
+        <p:style>
+          <a:lnRef idx="2">
+            <a:schemeClr val="accent1">
+              <a:shade val="50000"/>
+            </a:schemeClr>
+          </a:lnRef>
+          <a:fillRef idx="1">
+            <a:schemeClr val="accent1"/>
+          </a:fillRef>
+          <a:effectRef idx="0">
+            <a:schemeClr val="accent1"/>
+          </a:effectRef>
+          <a:fontRef idx="minor">
+            <a:schemeClr val="lt1"/>
+          </a:fontRef>
+        </p:style>
+        <p:txBody>
+          <a:bodyPr rtlCol="0" anchor="ctr"/>
+          <a:lstStyle/>
+          <a:p>
+            <a:pPr algn="ctr"/>
+            <a:endParaRPr kumimoji="1" lang="zh-CN" altLang="en-US"/>
+          </a:p>
+        </p:txBody>
+      </p:sp>
+      <p:sp>
+        <p:nvSpPr>
+          <p:cNvPr id="7" name="椭圆 6">
+            <a:extLst>
+              <a:ext uri="{FF2B5EF4-FFF2-40B4-BE49-F238E27FC236}">
+                <a16:creationId xmlns:a16="http://schemas.microsoft.com/office/drawing/2014/main" id="{1341DDC2-F773-F443-9B51-EB4125DA89CB}"/>
+              </a:ext>
+            </a:extLst>
+          </p:cNvPr>
+          <p:cNvSpPr/>
+          <p:nvPr/>
+        </p:nvSpPr>
+        <p:spPr>
+          <a:xfrm>
+            <a:off x="1994819" y="2375192"/>
+            <a:ext cx="478302" cy="478302"/>
+          </a:xfrm>
+          <a:prstGeom prst="ellipse">
+            <a:avLst/>
+          </a:prstGeom>
+          <a:noFill/>
+        </p:spPr>
+        <p:style>
+          <a:lnRef idx="2">
+            <a:schemeClr val="accent1">
+              <a:shade val="50000"/>
+            </a:schemeClr>
+          </a:lnRef>
+          <a:fillRef idx="1">
+            <a:schemeClr val="accent1"/>
+          </a:fillRef>
+          <a:effectRef idx="0">
+            <a:schemeClr val="accent1"/>
+          </a:effectRef>
+          <a:fontRef idx="minor">
+            <a:schemeClr val="lt1"/>
+          </a:fontRef>
+        </p:style>
+        <p:txBody>
+          <a:bodyPr rtlCol="0" anchor="ctr"/>
+          <a:lstStyle/>
+          <a:p>
+            <a:pPr algn="ctr"/>
+            <a:endParaRPr kumimoji="1" lang="zh-CN" altLang="en-US"/>
+          </a:p>
+        </p:txBody>
+      </p:sp>
+      <p:sp>
+        <p:nvSpPr>
+          <p:cNvPr id="8" name="文本框 7">
+            <a:extLst>
+              <a:ext uri="{FF2B5EF4-FFF2-40B4-BE49-F238E27FC236}">
+                <a16:creationId xmlns:a16="http://schemas.microsoft.com/office/drawing/2014/main" id="{06E0B0BB-7A14-AD4B-A098-AE20251C3AEC}"/>
+              </a:ext>
+            </a:extLst>
+          </p:cNvPr>
+          <p:cNvSpPr txBox="1"/>
+          <p:nvPr/>
+        </p:nvSpPr>
+        <p:spPr>
+          <a:xfrm rot="5400000">
+            <a:off x="2086924" y="1851681"/>
+            <a:ext cx="346570" cy="369332"/>
+          </a:xfrm>
+          <a:prstGeom prst="rect">
+            <a:avLst/>
+          </a:prstGeom>
+          <a:noFill/>
+        </p:spPr>
+        <p:txBody>
+          <a:bodyPr wrap="none" rtlCol="0">
+            <a:spAutoFit/>
+          </a:bodyPr>
+          <a:lstStyle/>
+          <a:p>
+            <a:r>
+              <a:rPr kumimoji="1" lang="en-US" altLang="zh-CN" dirty="0"/>
+              <a:t>…</a:t>
+            </a:r>
+            <a:endParaRPr kumimoji="1" lang="zh-CN" altLang="en-US" dirty="0"/>
+          </a:p>
+        </p:txBody>
+      </p:sp>
+      <p:sp>
+        <p:nvSpPr>
+          <p:cNvPr id="9" name="椭圆 8">
+            <a:extLst>
+              <a:ext uri="{FF2B5EF4-FFF2-40B4-BE49-F238E27FC236}">
+                <a16:creationId xmlns:a16="http://schemas.microsoft.com/office/drawing/2014/main" id="{E4376AC5-706C-AC48-A608-B43D7ECBE55C}"/>
+              </a:ext>
+            </a:extLst>
+          </p:cNvPr>
+          <p:cNvSpPr/>
+          <p:nvPr/>
+        </p:nvSpPr>
+        <p:spPr>
+          <a:xfrm>
+            <a:off x="3664801" y="893298"/>
+            <a:ext cx="325902" cy="325902"/>
+          </a:xfrm>
+          <a:prstGeom prst="ellipse">
+            <a:avLst/>
+          </a:prstGeom>
+          <a:noFill/>
+        </p:spPr>
+        <p:style>
+          <a:lnRef idx="2">
+            <a:schemeClr val="accent1">
+              <a:shade val="50000"/>
+            </a:schemeClr>
+          </a:lnRef>
+          <a:fillRef idx="1">
+            <a:schemeClr val="accent1"/>
+          </a:fillRef>
+          <a:effectRef idx="0">
+            <a:schemeClr val="accent1"/>
+          </a:effectRef>
+          <a:fontRef idx="minor">
+            <a:schemeClr val="lt1"/>
+          </a:fontRef>
+        </p:style>
+        <p:txBody>
+          <a:bodyPr rtlCol="0" anchor="ctr"/>
+          <a:lstStyle/>
+          <a:p>
+            <a:pPr algn="ctr"/>
+            <a:endParaRPr kumimoji="1" lang="zh-CN" altLang="en-US"/>
+          </a:p>
+        </p:txBody>
+      </p:sp>
+      <p:sp>
+        <p:nvSpPr>
+          <p:cNvPr id="10" name="椭圆 9">
+            <a:extLst>
+              <a:ext uri="{FF2B5EF4-FFF2-40B4-BE49-F238E27FC236}">
+                <a16:creationId xmlns:a16="http://schemas.microsoft.com/office/drawing/2014/main" id="{9C45DC94-7446-9E42-AC32-CF2A21EBE9BE}"/>
+              </a:ext>
+            </a:extLst>
+          </p:cNvPr>
+          <p:cNvSpPr/>
+          <p:nvPr/>
+        </p:nvSpPr>
+        <p:spPr>
+          <a:xfrm>
+            <a:off x="3676302" y="2166507"/>
+            <a:ext cx="325902" cy="325902"/>
+          </a:xfrm>
+          <a:prstGeom prst="ellipse">
+            <a:avLst/>
+          </a:prstGeom>
+          <a:noFill/>
+        </p:spPr>
+        <p:style>
+          <a:lnRef idx="2">
+            <a:schemeClr val="accent1">
+              <a:shade val="50000"/>
+            </a:schemeClr>
+          </a:lnRef>
+          <a:fillRef idx="1">
+            <a:schemeClr val="accent1"/>
+          </a:fillRef>
+          <a:effectRef idx="0">
+            <a:schemeClr val="accent1"/>
+          </a:effectRef>
+          <a:fontRef idx="minor">
+            <a:schemeClr val="lt1"/>
+          </a:fontRef>
+        </p:style>
+        <p:txBody>
+          <a:bodyPr rtlCol="0" anchor="ctr"/>
+          <a:lstStyle/>
+          <a:p>
+            <a:pPr algn="ctr"/>
+            <a:endParaRPr kumimoji="1" lang="zh-CN" altLang="en-US"/>
+          </a:p>
+        </p:txBody>
+      </p:sp>
+      <p:sp>
+        <p:nvSpPr>
+          <p:cNvPr id="14" name="椭圆 13">
+            <a:extLst>
+              <a:ext uri="{FF2B5EF4-FFF2-40B4-BE49-F238E27FC236}">
+                <a16:creationId xmlns:a16="http://schemas.microsoft.com/office/drawing/2014/main" id="{47B36669-0A0E-BE43-AA23-9FD044650474}"/>
+              </a:ext>
+            </a:extLst>
+          </p:cNvPr>
+          <p:cNvSpPr/>
+          <p:nvPr/>
+        </p:nvSpPr>
+        <p:spPr>
+          <a:xfrm>
+            <a:off x="3672364" y="3957164"/>
+            <a:ext cx="325902" cy="325902"/>
+          </a:xfrm>
+          <a:prstGeom prst="ellipse">
+            <a:avLst/>
+          </a:prstGeom>
+          <a:noFill/>
+        </p:spPr>
+        <p:style>
+          <a:lnRef idx="2">
+            <a:schemeClr val="accent1">
+              <a:shade val="50000"/>
+            </a:schemeClr>
+          </a:lnRef>
+          <a:fillRef idx="1">
+            <a:schemeClr val="accent1"/>
+          </a:fillRef>
+          <a:effectRef idx="0">
+            <a:schemeClr val="accent1"/>
+          </a:effectRef>
+          <a:fontRef idx="minor">
+            <a:schemeClr val="lt1"/>
+          </a:fontRef>
+        </p:style>
+        <p:txBody>
+          <a:bodyPr rtlCol="0" anchor="ctr"/>
+          <a:lstStyle/>
+          <a:p>
+            <a:pPr algn="ctr"/>
+            <a:endParaRPr kumimoji="1" lang="zh-CN" altLang="en-US"/>
+          </a:p>
+        </p:txBody>
+      </p:sp>
+      <p:sp>
+        <p:nvSpPr>
+          <p:cNvPr id="15" name="文本框 14">
+            <a:extLst>
+              <a:ext uri="{FF2B5EF4-FFF2-40B4-BE49-F238E27FC236}">
+                <a16:creationId xmlns:a16="http://schemas.microsoft.com/office/drawing/2014/main" id="{033CED95-11C2-B642-8B4B-7F6A39DB392B}"/>
+              </a:ext>
+            </a:extLst>
+          </p:cNvPr>
+          <p:cNvSpPr txBox="1"/>
+          <p:nvPr/>
+        </p:nvSpPr>
+        <p:spPr>
+          <a:xfrm rot="5400000" flipH="1">
+            <a:off x="3649583" y="3036578"/>
+            <a:ext cx="422771" cy="369332"/>
+          </a:xfrm>
+          <a:prstGeom prst="rect">
+            <a:avLst/>
+          </a:prstGeom>
+          <a:noFill/>
+        </p:spPr>
+        <p:txBody>
+          <a:bodyPr wrap="square" rtlCol="0">
+            <a:spAutoFit/>
+          </a:bodyPr>
+          <a:lstStyle/>
+          <a:p>
+            <a:r>
+              <a:rPr kumimoji="1" lang="en-US" altLang="zh-CN" dirty="0"/>
+              <a:t>…</a:t>
+            </a:r>
+            <a:endParaRPr kumimoji="1" lang="zh-CN" altLang="en-US" dirty="0"/>
+          </a:p>
+        </p:txBody>
+      </p:sp>
+      <p:sp>
+        <p:nvSpPr>
+          <p:cNvPr id="16" name="文本框 15">
+            <a:extLst>
+              <a:ext uri="{FF2B5EF4-FFF2-40B4-BE49-F238E27FC236}">
+                <a16:creationId xmlns:a16="http://schemas.microsoft.com/office/drawing/2014/main" id="{9156D1BC-7A3A-2E4F-A6DD-1F01A0DF5E49}"/>
+              </a:ext>
+            </a:extLst>
+          </p:cNvPr>
+          <p:cNvSpPr txBox="1"/>
+          <p:nvPr/>
+        </p:nvSpPr>
+        <p:spPr>
+          <a:xfrm>
+            <a:off x="3860968" y="3036578"/>
+            <a:ext cx="303288" cy="261610"/>
+          </a:xfrm>
+          <a:prstGeom prst="rect">
+            <a:avLst/>
+          </a:prstGeom>
+          <a:noFill/>
+        </p:spPr>
+        <p:txBody>
+          <a:bodyPr wrap="none" rtlCol="0">
+            <a:spAutoFit/>
+          </a:bodyPr>
+          <a:lstStyle/>
+          <a:p>
+            <a:r>
+              <a:rPr kumimoji="1" lang="en-US" altLang="zh-CN" sz="1100" dirty="0"/>
+              <a:t>m</a:t>
+            </a:r>
+            <a:endParaRPr kumimoji="1" lang="zh-CN" altLang="en-US" sz="1100" dirty="0"/>
+          </a:p>
+        </p:txBody>
+      </p:sp>
+      <p:sp>
+        <p:nvSpPr>
+          <p:cNvPr id="17" name="椭圆 16">
+            <a:extLst>
+              <a:ext uri="{FF2B5EF4-FFF2-40B4-BE49-F238E27FC236}">
+                <a16:creationId xmlns:a16="http://schemas.microsoft.com/office/drawing/2014/main" id="{764B3020-6DCF-0344-8421-089C55668D7F}"/>
+              </a:ext>
+            </a:extLst>
+          </p:cNvPr>
+          <p:cNvSpPr/>
+          <p:nvPr/>
+        </p:nvSpPr>
+        <p:spPr>
+          <a:xfrm>
+            <a:off x="5341201" y="893298"/>
+            <a:ext cx="325902" cy="325902"/>
+          </a:xfrm>
+          <a:prstGeom prst="ellipse">
+            <a:avLst/>
+          </a:prstGeom>
+          <a:noFill/>
+        </p:spPr>
+        <p:style>
+          <a:lnRef idx="2">
+            <a:schemeClr val="accent1">
+              <a:shade val="50000"/>
+            </a:schemeClr>
+          </a:lnRef>
+          <a:fillRef idx="1">
+            <a:schemeClr val="accent1"/>
+          </a:fillRef>
+          <a:effectRef idx="0">
+            <a:schemeClr val="accent1"/>
+          </a:effectRef>
+          <a:fontRef idx="minor">
+            <a:schemeClr val="lt1"/>
+          </a:fontRef>
+        </p:style>
+        <p:txBody>
+          <a:bodyPr rtlCol="0" anchor="ctr"/>
+          <a:lstStyle/>
+          <a:p>
+            <a:pPr algn="ctr"/>
+            <a:endParaRPr kumimoji="1" lang="zh-CN" altLang="en-US"/>
+          </a:p>
+        </p:txBody>
+      </p:sp>
+      <p:sp>
+        <p:nvSpPr>
+          <p:cNvPr id="18" name="椭圆 17">
+            <a:extLst>
+              <a:ext uri="{FF2B5EF4-FFF2-40B4-BE49-F238E27FC236}">
+                <a16:creationId xmlns:a16="http://schemas.microsoft.com/office/drawing/2014/main" id="{620FDB5A-7A2A-3843-9E78-99798D8EEC8B}"/>
+              </a:ext>
+            </a:extLst>
+          </p:cNvPr>
+          <p:cNvSpPr/>
+          <p:nvPr/>
+        </p:nvSpPr>
+        <p:spPr>
+          <a:xfrm>
+            <a:off x="5341200" y="2181445"/>
+            <a:ext cx="325902" cy="325902"/>
+          </a:xfrm>
+          <a:prstGeom prst="ellipse">
+            <a:avLst/>
+          </a:prstGeom>
+          <a:noFill/>
+        </p:spPr>
+        <p:style>
+          <a:lnRef idx="2">
+            <a:schemeClr val="accent1">
+              <a:shade val="50000"/>
+            </a:schemeClr>
+          </a:lnRef>
+          <a:fillRef idx="1">
+            <a:schemeClr val="accent1"/>
+          </a:fillRef>
+          <a:effectRef idx="0">
+            <a:schemeClr val="accent1"/>
+          </a:effectRef>
+          <a:fontRef idx="minor">
+            <a:schemeClr val="lt1"/>
+          </a:fontRef>
+        </p:style>
+        <p:txBody>
+          <a:bodyPr rtlCol="0" anchor="ctr"/>
+          <a:lstStyle/>
+          <a:p>
+            <a:pPr algn="ctr"/>
+            <a:endParaRPr kumimoji="1" lang="zh-CN" altLang="en-US"/>
+          </a:p>
+        </p:txBody>
+      </p:sp>
+      <p:sp>
+        <p:nvSpPr>
+          <p:cNvPr id="22" name="椭圆 21">
+            <a:extLst>
+              <a:ext uri="{FF2B5EF4-FFF2-40B4-BE49-F238E27FC236}">
+                <a16:creationId xmlns:a16="http://schemas.microsoft.com/office/drawing/2014/main" id="{33F8D69D-C757-A342-9B3E-61AA47AA2BE5}"/>
+              </a:ext>
+            </a:extLst>
+          </p:cNvPr>
+          <p:cNvSpPr/>
+          <p:nvPr/>
+        </p:nvSpPr>
+        <p:spPr>
+          <a:xfrm>
+            <a:off x="5362915" y="3950079"/>
+            <a:ext cx="325902" cy="325902"/>
+          </a:xfrm>
+          <a:prstGeom prst="ellipse">
+            <a:avLst/>
+          </a:prstGeom>
+          <a:noFill/>
+        </p:spPr>
+        <p:style>
+          <a:lnRef idx="2">
+            <a:schemeClr val="accent1">
+              <a:shade val="50000"/>
+            </a:schemeClr>
+          </a:lnRef>
+          <a:fillRef idx="1">
+            <a:schemeClr val="accent1"/>
+          </a:fillRef>
+          <a:effectRef idx="0">
+            <a:schemeClr val="accent1"/>
+          </a:effectRef>
+          <a:fontRef idx="minor">
+            <a:schemeClr val="lt1"/>
+          </a:fontRef>
+        </p:style>
+        <p:txBody>
+          <a:bodyPr rtlCol="0" anchor="ctr"/>
+          <a:lstStyle/>
+          <a:p>
+            <a:pPr algn="ctr"/>
+            <a:endParaRPr kumimoji="1" lang="zh-CN" altLang="en-US"/>
+          </a:p>
+        </p:txBody>
+      </p:sp>
+      <p:sp>
+        <p:nvSpPr>
+          <p:cNvPr id="23" name="文本框 22">
+            <a:extLst>
+              <a:ext uri="{FF2B5EF4-FFF2-40B4-BE49-F238E27FC236}">
+                <a16:creationId xmlns:a16="http://schemas.microsoft.com/office/drawing/2014/main" id="{5BB221CC-ABCB-5B48-9EF8-CCAA38FC62E5}"/>
+              </a:ext>
+            </a:extLst>
+          </p:cNvPr>
+          <p:cNvSpPr txBox="1"/>
+          <p:nvPr/>
+        </p:nvSpPr>
+        <p:spPr>
+          <a:xfrm rot="5400000" flipH="1">
+            <a:off x="5314481" y="3032613"/>
+            <a:ext cx="422771" cy="369332"/>
+          </a:xfrm>
+          <a:prstGeom prst="rect">
+            <a:avLst/>
+          </a:prstGeom>
+          <a:noFill/>
+        </p:spPr>
+        <p:txBody>
+          <a:bodyPr wrap="square" rtlCol="0">
+            <a:spAutoFit/>
+          </a:bodyPr>
+          <a:lstStyle/>
+          <a:p>
+            <a:r>
+              <a:rPr kumimoji="1" lang="en-US" altLang="zh-CN" dirty="0"/>
+              <a:t>…</a:t>
+            </a:r>
+            <a:endParaRPr kumimoji="1" lang="zh-CN" altLang="en-US" dirty="0"/>
+          </a:p>
+        </p:txBody>
+      </p:sp>
+      <p:sp>
+        <p:nvSpPr>
+          <p:cNvPr id="24" name="文本框 23">
+            <a:extLst>
+              <a:ext uri="{FF2B5EF4-FFF2-40B4-BE49-F238E27FC236}">
+                <a16:creationId xmlns:a16="http://schemas.microsoft.com/office/drawing/2014/main" id="{5DFC8A95-F5E8-894C-8A9B-79FBEEBC4E36}"/>
+              </a:ext>
+            </a:extLst>
+          </p:cNvPr>
+          <p:cNvSpPr txBox="1"/>
+          <p:nvPr/>
+        </p:nvSpPr>
+        <p:spPr>
+          <a:xfrm>
+            <a:off x="5525866" y="3032613"/>
+            <a:ext cx="261610" cy="261610"/>
+          </a:xfrm>
+          <a:prstGeom prst="rect">
+            <a:avLst/>
+          </a:prstGeom>
+          <a:noFill/>
+        </p:spPr>
+        <p:txBody>
+          <a:bodyPr wrap="none" rtlCol="0">
+            <a:spAutoFit/>
+          </a:bodyPr>
+          <a:lstStyle/>
+          <a:p>
+            <a:r>
+              <a:rPr kumimoji="1" lang="en-US" altLang="zh-CN" sz="1100" dirty="0"/>
+              <a:t>n</a:t>
+            </a:r>
+            <a:endParaRPr kumimoji="1" lang="zh-CN" altLang="en-US" sz="1100" dirty="0"/>
+          </a:p>
+        </p:txBody>
+      </p:sp>
+      <p:cxnSp>
+        <p:nvCxnSpPr>
+          <p:cNvPr id="26" name="直线连接符 25">
+            <a:extLst>
+              <a:ext uri="{FF2B5EF4-FFF2-40B4-BE49-F238E27FC236}">
+                <a16:creationId xmlns:a16="http://schemas.microsoft.com/office/drawing/2014/main" id="{B4E960BE-8D9D-E743-97FB-F8F6A24A2B30}"/>
+              </a:ext>
+            </a:extLst>
+          </p:cNvPr>
+          <p:cNvCxnSpPr>
+            <a:cxnSpLocks/>
+            <a:stCxn id="5" idx="6"/>
+            <a:endCxn id="9" idx="2"/>
+          </p:cNvCxnSpPr>
+          <p:nvPr/>
+        </p:nvCxnSpPr>
+        <p:spPr>
+          <a:xfrm flipV="1">
+            <a:off x="2499360" y="1056249"/>
+            <a:ext cx="1165441" cy="402102"/>
+          </a:xfrm>
+          <a:prstGeom prst="line">
+            <a:avLst/>
+          </a:prstGeom>
+        </p:spPr>
+        <p:style>
+          <a:lnRef idx="1">
+            <a:schemeClr val="accent1"/>
+          </a:lnRef>
+          <a:fillRef idx="0">
+            <a:schemeClr val="accent1"/>
+          </a:fillRef>
+          <a:effectRef idx="0">
+            <a:schemeClr val="accent1"/>
+          </a:effectRef>
+          <a:fontRef idx="minor">
+            <a:schemeClr val="tx1"/>
+          </a:fontRef>
+        </p:style>
+      </p:cxnSp>
+      <p:cxnSp>
+        <p:nvCxnSpPr>
+          <p:cNvPr id="28" name="直线连接符 27">
+            <a:extLst>
+              <a:ext uri="{FF2B5EF4-FFF2-40B4-BE49-F238E27FC236}">
+                <a16:creationId xmlns:a16="http://schemas.microsoft.com/office/drawing/2014/main" id="{427E86CF-FF2C-FC40-9260-9B454D3A7858}"/>
+              </a:ext>
+            </a:extLst>
+          </p:cNvPr>
+          <p:cNvCxnSpPr>
+            <a:stCxn id="5" idx="6"/>
+            <a:endCxn id="10" idx="2"/>
+          </p:cNvCxnSpPr>
+          <p:nvPr/>
+        </p:nvCxnSpPr>
+        <p:spPr>
+          <a:xfrm>
+            <a:off x="2499360" y="1458351"/>
+            <a:ext cx="1176942" cy="871107"/>
+          </a:xfrm>
+          <a:prstGeom prst="line">
+            <a:avLst/>
+          </a:prstGeom>
+        </p:spPr>
+        <p:style>
+          <a:lnRef idx="1">
+            <a:schemeClr val="accent1"/>
+          </a:lnRef>
+          <a:fillRef idx="0">
+            <a:schemeClr val="accent1"/>
+          </a:fillRef>
+          <a:effectRef idx="0">
+            <a:schemeClr val="accent1"/>
+          </a:effectRef>
+          <a:fontRef idx="minor">
+            <a:schemeClr val="tx1"/>
+          </a:fontRef>
+        </p:style>
+      </p:cxnSp>
+      <p:cxnSp>
+        <p:nvCxnSpPr>
+          <p:cNvPr id="37" name="直线连接符 36">
+            <a:extLst>
+              <a:ext uri="{FF2B5EF4-FFF2-40B4-BE49-F238E27FC236}">
+                <a16:creationId xmlns:a16="http://schemas.microsoft.com/office/drawing/2014/main" id="{845B004F-4802-6D4B-A318-A4496BE79CF1}"/>
+              </a:ext>
+            </a:extLst>
+          </p:cNvPr>
+          <p:cNvCxnSpPr>
+            <a:stCxn id="5" idx="6"/>
+            <a:endCxn id="14" idx="2"/>
+          </p:cNvCxnSpPr>
+          <p:nvPr/>
+        </p:nvCxnSpPr>
+        <p:spPr>
+          <a:xfrm>
+            <a:off x="2499360" y="1458351"/>
+            <a:ext cx="1173004" cy="2661764"/>
+          </a:xfrm>
+          <a:prstGeom prst="line">
+            <a:avLst/>
+          </a:prstGeom>
+        </p:spPr>
+        <p:style>
+          <a:lnRef idx="1">
+            <a:schemeClr val="accent1"/>
+          </a:lnRef>
+          <a:fillRef idx="0">
+            <a:schemeClr val="accent1"/>
+          </a:fillRef>
+          <a:effectRef idx="0">
+            <a:schemeClr val="accent1"/>
+          </a:effectRef>
+          <a:fontRef idx="minor">
+            <a:schemeClr val="tx1"/>
+          </a:fontRef>
+        </p:style>
+      </p:cxnSp>
+      <p:cxnSp>
+        <p:nvCxnSpPr>
+          <p:cNvPr id="39" name="直线连接符 38">
+            <a:extLst>
+              <a:ext uri="{FF2B5EF4-FFF2-40B4-BE49-F238E27FC236}">
+                <a16:creationId xmlns:a16="http://schemas.microsoft.com/office/drawing/2014/main" id="{84002945-59EB-6E4A-B218-63D5DB80E930}"/>
+              </a:ext>
+            </a:extLst>
+          </p:cNvPr>
+          <p:cNvCxnSpPr>
+            <a:stCxn id="7" idx="6"/>
+            <a:endCxn id="9" idx="2"/>
+          </p:cNvCxnSpPr>
+          <p:nvPr/>
+        </p:nvCxnSpPr>
+        <p:spPr>
+          <a:xfrm flipV="1">
+            <a:off x="2473121" y="1056249"/>
+            <a:ext cx="1191680" cy="1558094"/>
+          </a:xfrm>
+          <a:prstGeom prst="line">
+            <a:avLst/>
+          </a:prstGeom>
+        </p:spPr>
+        <p:style>
+          <a:lnRef idx="1">
+            <a:schemeClr val="accent1"/>
+          </a:lnRef>
+          <a:fillRef idx="0">
+            <a:schemeClr val="accent1"/>
+          </a:fillRef>
+          <a:effectRef idx="0">
+            <a:schemeClr val="accent1"/>
+          </a:effectRef>
+          <a:fontRef idx="minor">
+            <a:schemeClr val="tx1"/>
+          </a:fontRef>
+        </p:style>
+      </p:cxnSp>
+      <p:cxnSp>
+        <p:nvCxnSpPr>
+          <p:cNvPr id="41" name="直线连接符 40">
+            <a:extLst>
+              <a:ext uri="{FF2B5EF4-FFF2-40B4-BE49-F238E27FC236}">
+                <a16:creationId xmlns:a16="http://schemas.microsoft.com/office/drawing/2014/main" id="{6C33AB53-228A-A64D-9163-638C8A7D5FBE}"/>
+              </a:ext>
+            </a:extLst>
+          </p:cNvPr>
+          <p:cNvCxnSpPr>
+            <a:stCxn id="7" idx="6"/>
+            <a:endCxn id="10" idx="2"/>
+          </p:cNvCxnSpPr>
+          <p:nvPr/>
+        </p:nvCxnSpPr>
+        <p:spPr>
+          <a:xfrm flipV="1">
+            <a:off x="2473121" y="2329458"/>
+            <a:ext cx="1203181" cy="284885"/>
+          </a:xfrm>
+          <a:prstGeom prst="line">
+            <a:avLst/>
+          </a:prstGeom>
+        </p:spPr>
+        <p:style>
+          <a:lnRef idx="1">
+            <a:schemeClr val="accent1"/>
+          </a:lnRef>
+          <a:fillRef idx="0">
+            <a:schemeClr val="accent1"/>
+          </a:fillRef>
+          <a:effectRef idx="0">
+            <a:schemeClr val="accent1"/>
+          </a:effectRef>
+          <a:fontRef idx="minor">
+            <a:schemeClr val="tx1"/>
+          </a:fontRef>
+        </p:style>
+      </p:cxnSp>
+      <p:cxnSp>
+        <p:nvCxnSpPr>
+          <p:cNvPr id="49" name="直线连接符 48">
+            <a:extLst>
+              <a:ext uri="{FF2B5EF4-FFF2-40B4-BE49-F238E27FC236}">
+                <a16:creationId xmlns:a16="http://schemas.microsoft.com/office/drawing/2014/main" id="{B234A8CF-7DE3-8D4D-B432-9CE755538298}"/>
+              </a:ext>
+            </a:extLst>
+          </p:cNvPr>
+          <p:cNvCxnSpPr>
+            <a:stCxn id="7" idx="6"/>
+            <a:endCxn id="14" idx="2"/>
+          </p:cNvCxnSpPr>
+          <p:nvPr/>
+        </p:nvCxnSpPr>
+        <p:spPr>
+          <a:xfrm>
+            <a:off x="2473121" y="2614343"/>
+            <a:ext cx="1199243" cy="1505772"/>
+          </a:xfrm>
+          <a:prstGeom prst="line">
+            <a:avLst/>
+          </a:prstGeom>
+        </p:spPr>
+        <p:style>
+          <a:lnRef idx="1">
+            <a:schemeClr val="accent1"/>
+          </a:lnRef>
+          <a:fillRef idx="0">
+            <a:schemeClr val="accent1"/>
+          </a:fillRef>
+          <a:effectRef idx="0">
+            <a:schemeClr val="accent1"/>
+          </a:effectRef>
+          <a:fontRef idx="minor">
+            <a:schemeClr val="tx1"/>
+          </a:fontRef>
+        </p:style>
+      </p:cxnSp>
+      <p:cxnSp>
+        <p:nvCxnSpPr>
+          <p:cNvPr id="51" name="直线连接符 50">
+            <a:extLst>
+              <a:ext uri="{FF2B5EF4-FFF2-40B4-BE49-F238E27FC236}">
+                <a16:creationId xmlns:a16="http://schemas.microsoft.com/office/drawing/2014/main" id="{C953CA6F-2C67-E84E-B220-749466AB58FC}"/>
+              </a:ext>
+            </a:extLst>
+          </p:cNvPr>
+          <p:cNvCxnSpPr>
+            <a:cxnSpLocks/>
+            <a:endCxn id="9" idx="2"/>
+          </p:cNvCxnSpPr>
+          <p:nvPr/>
+        </p:nvCxnSpPr>
+        <p:spPr>
+          <a:xfrm flipV="1">
+            <a:off x="2456377" y="1056249"/>
+            <a:ext cx="1208424" cy="2576294"/>
+          </a:xfrm>
+          <a:prstGeom prst="line">
+            <a:avLst/>
+          </a:prstGeom>
+        </p:spPr>
+        <p:style>
+          <a:lnRef idx="1">
+            <a:schemeClr val="accent1"/>
+          </a:lnRef>
+          <a:fillRef idx="0">
+            <a:schemeClr val="accent1"/>
+          </a:fillRef>
+          <a:effectRef idx="0">
+            <a:schemeClr val="accent1"/>
+          </a:effectRef>
+          <a:fontRef idx="minor">
+            <a:schemeClr val="tx1"/>
+          </a:fontRef>
+        </p:style>
+      </p:cxnSp>
+      <p:cxnSp>
+        <p:nvCxnSpPr>
+          <p:cNvPr id="53" name="直线连接符 52">
+            <a:extLst>
+              <a:ext uri="{FF2B5EF4-FFF2-40B4-BE49-F238E27FC236}">
+                <a16:creationId xmlns:a16="http://schemas.microsoft.com/office/drawing/2014/main" id="{E22B19DB-E7AB-A848-AE2F-4AAEBB3AA948}"/>
+              </a:ext>
+            </a:extLst>
+          </p:cNvPr>
+          <p:cNvCxnSpPr>
+            <a:stCxn id="6" idx="6"/>
+            <a:endCxn id="10" idx="2"/>
+          </p:cNvCxnSpPr>
+          <p:nvPr/>
+        </p:nvCxnSpPr>
+        <p:spPr>
+          <a:xfrm flipV="1">
+            <a:off x="2444875" y="2329458"/>
+            <a:ext cx="1231427" cy="1338358"/>
+          </a:xfrm>
+          <a:prstGeom prst="line">
+            <a:avLst/>
+          </a:prstGeom>
+        </p:spPr>
+        <p:style>
+          <a:lnRef idx="1">
+            <a:schemeClr val="accent1"/>
+          </a:lnRef>
+          <a:fillRef idx="0">
+            <a:schemeClr val="accent1"/>
+          </a:fillRef>
+          <a:effectRef idx="0">
+            <a:schemeClr val="accent1"/>
+          </a:effectRef>
+          <a:fontRef idx="minor">
+            <a:schemeClr val="tx1"/>
+          </a:fontRef>
+        </p:style>
+      </p:cxnSp>
+      <p:cxnSp>
+        <p:nvCxnSpPr>
+          <p:cNvPr id="62" name="直线连接符 61">
+            <a:extLst>
+              <a:ext uri="{FF2B5EF4-FFF2-40B4-BE49-F238E27FC236}">
+                <a16:creationId xmlns:a16="http://schemas.microsoft.com/office/drawing/2014/main" id="{99D59377-AF22-B340-9984-4377DE9C79C1}"/>
+              </a:ext>
+            </a:extLst>
+          </p:cNvPr>
+          <p:cNvCxnSpPr>
+            <a:stCxn id="6" idx="6"/>
+            <a:endCxn id="14" idx="2"/>
+          </p:cNvCxnSpPr>
+          <p:nvPr/>
+        </p:nvCxnSpPr>
+        <p:spPr>
+          <a:xfrm>
+            <a:off x="2444875" y="3667816"/>
+            <a:ext cx="1227489" cy="452299"/>
+          </a:xfrm>
+          <a:prstGeom prst="line">
+            <a:avLst/>
+          </a:prstGeom>
+        </p:spPr>
+        <p:style>
+          <a:lnRef idx="1">
+            <a:schemeClr val="accent1"/>
+          </a:lnRef>
+          <a:fillRef idx="0">
+            <a:schemeClr val="accent1"/>
+          </a:fillRef>
+          <a:effectRef idx="0">
+            <a:schemeClr val="accent1"/>
+          </a:effectRef>
+          <a:fontRef idx="minor">
+            <a:schemeClr val="tx1"/>
+          </a:fontRef>
+        </p:style>
+      </p:cxnSp>
+      <p:cxnSp>
+        <p:nvCxnSpPr>
+          <p:cNvPr id="64" name="直线连接符 63">
+            <a:extLst>
+              <a:ext uri="{FF2B5EF4-FFF2-40B4-BE49-F238E27FC236}">
+                <a16:creationId xmlns:a16="http://schemas.microsoft.com/office/drawing/2014/main" id="{F20EE544-893E-7C4D-A24F-915AE9CA10C8}"/>
+              </a:ext>
+            </a:extLst>
+          </p:cNvPr>
+          <p:cNvCxnSpPr>
+            <a:stCxn id="9" idx="6"/>
+            <a:endCxn id="17" idx="2"/>
+          </p:cNvCxnSpPr>
+          <p:nvPr/>
+        </p:nvCxnSpPr>
+        <p:spPr>
+          <a:xfrm>
+            <a:off x="3990703" y="1056249"/>
+            <a:ext cx="1350498" cy="0"/>
+          </a:xfrm>
+          <a:prstGeom prst="line">
+            <a:avLst/>
+          </a:prstGeom>
+        </p:spPr>
+        <p:style>
+          <a:lnRef idx="1">
+            <a:schemeClr val="accent1"/>
+          </a:lnRef>
+          <a:fillRef idx="0">
+            <a:schemeClr val="accent1"/>
+          </a:fillRef>
+          <a:effectRef idx="0">
+            <a:schemeClr val="accent1"/>
+          </a:effectRef>
+          <a:fontRef idx="minor">
+            <a:schemeClr val="tx1"/>
+          </a:fontRef>
+        </p:style>
+      </p:cxnSp>
+      <p:cxnSp>
+        <p:nvCxnSpPr>
+          <p:cNvPr id="78" name="直线连接符 77">
+            <a:extLst>
+              <a:ext uri="{FF2B5EF4-FFF2-40B4-BE49-F238E27FC236}">
+                <a16:creationId xmlns:a16="http://schemas.microsoft.com/office/drawing/2014/main" id="{3569F603-3357-5141-AB24-FF3E7042A3D3}"/>
+              </a:ext>
+            </a:extLst>
+          </p:cNvPr>
+          <p:cNvCxnSpPr>
+            <a:stCxn id="9" idx="6"/>
+            <a:endCxn id="18" idx="2"/>
+          </p:cNvCxnSpPr>
+          <p:nvPr/>
+        </p:nvCxnSpPr>
+        <p:spPr>
+          <a:xfrm>
+            <a:off x="3990703" y="1056249"/>
+            <a:ext cx="1350497" cy="1288147"/>
+          </a:xfrm>
+          <a:prstGeom prst="line">
+            <a:avLst/>
+          </a:prstGeom>
+        </p:spPr>
+        <p:style>
+          <a:lnRef idx="1">
+            <a:schemeClr val="accent1"/>
+          </a:lnRef>
+          <a:fillRef idx="0">
+            <a:schemeClr val="accent1"/>
+          </a:fillRef>
+          <a:effectRef idx="0">
+            <a:schemeClr val="accent1"/>
+          </a:effectRef>
+          <a:fontRef idx="minor">
+            <a:schemeClr val="tx1"/>
+          </a:fontRef>
+        </p:style>
+      </p:cxnSp>
+      <p:cxnSp>
+        <p:nvCxnSpPr>
+          <p:cNvPr id="80" name="直线连接符 79">
+            <a:extLst>
+              <a:ext uri="{FF2B5EF4-FFF2-40B4-BE49-F238E27FC236}">
+                <a16:creationId xmlns:a16="http://schemas.microsoft.com/office/drawing/2014/main" id="{A9230F62-F578-044F-941D-F5B21675AF38}"/>
+              </a:ext>
+            </a:extLst>
+          </p:cNvPr>
+          <p:cNvCxnSpPr>
+            <a:stCxn id="9" idx="6"/>
+            <a:endCxn id="22" idx="2"/>
+          </p:cNvCxnSpPr>
+          <p:nvPr/>
+        </p:nvCxnSpPr>
+        <p:spPr>
+          <a:xfrm>
+            <a:off x="3990703" y="1056249"/>
+            <a:ext cx="1372212" cy="3056781"/>
+          </a:xfrm>
+          <a:prstGeom prst="line">
+            <a:avLst/>
+          </a:prstGeom>
+        </p:spPr>
+        <p:style>
+          <a:lnRef idx="1">
+            <a:schemeClr val="accent1"/>
+          </a:lnRef>
+          <a:fillRef idx="0">
+            <a:schemeClr val="accent1"/>
+          </a:fillRef>
+          <a:effectRef idx="0">
+            <a:schemeClr val="accent1"/>
+          </a:effectRef>
+          <a:fontRef idx="minor">
+            <a:schemeClr val="tx1"/>
+          </a:fontRef>
+        </p:style>
+      </p:cxnSp>
+      <p:cxnSp>
+        <p:nvCxnSpPr>
+          <p:cNvPr id="82" name="直线连接符 81">
+            <a:extLst>
+              <a:ext uri="{FF2B5EF4-FFF2-40B4-BE49-F238E27FC236}">
+                <a16:creationId xmlns:a16="http://schemas.microsoft.com/office/drawing/2014/main" id="{295FBC9E-C6B1-C642-A3F3-D1001F2A8CEB}"/>
+              </a:ext>
+            </a:extLst>
+          </p:cNvPr>
+          <p:cNvCxnSpPr>
+            <a:stCxn id="10" idx="6"/>
+            <a:endCxn id="17" idx="2"/>
+          </p:cNvCxnSpPr>
+          <p:nvPr/>
+        </p:nvCxnSpPr>
+        <p:spPr>
+          <a:xfrm flipV="1">
+            <a:off x="4002204" y="1056249"/>
+            <a:ext cx="1338997" cy="1273209"/>
+          </a:xfrm>
+          <a:prstGeom prst="line">
+            <a:avLst/>
+          </a:prstGeom>
+        </p:spPr>
+        <p:style>
+          <a:lnRef idx="1">
+            <a:schemeClr val="accent1"/>
+          </a:lnRef>
+          <a:fillRef idx="0">
+            <a:schemeClr val="accent1"/>
+          </a:fillRef>
+          <a:effectRef idx="0">
+            <a:schemeClr val="accent1"/>
+          </a:effectRef>
+          <a:fontRef idx="minor">
+            <a:schemeClr val="tx1"/>
+          </a:fontRef>
+        </p:style>
+      </p:cxnSp>
+      <p:cxnSp>
+        <p:nvCxnSpPr>
+          <p:cNvPr id="84" name="直线连接符 83">
+            <a:extLst>
+              <a:ext uri="{FF2B5EF4-FFF2-40B4-BE49-F238E27FC236}">
+                <a16:creationId xmlns:a16="http://schemas.microsoft.com/office/drawing/2014/main" id="{11A93155-C373-7F4E-914D-C89D9C835BA4}"/>
+              </a:ext>
+            </a:extLst>
+          </p:cNvPr>
+          <p:cNvCxnSpPr>
+            <a:stCxn id="10" idx="6"/>
+            <a:endCxn id="18" idx="2"/>
+          </p:cNvCxnSpPr>
+          <p:nvPr/>
+        </p:nvCxnSpPr>
+        <p:spPr>
+          <a:xfrm>
+            <a:off x="4002204" y="2329458"/>
+            <a:ext cx="1338996" cy="14938"/>
+          </a:xfrm>
+          <a:prstGeom prst="line">
+            <a:avLst/>
+          </a:prstGeom>
+        </p:spPr>
+        <p:style>
+          <a:lnRef idx="1">
+            <a:schemeClr val="accent1"/>
+          </a:lnRef>
+          <a:fillRef idx="0">
+            <a:schemeClr val="accent1"/>
+          </a:fillRef>
+          <a:effectRef idx="0">
+            <a:schemeClr val="accent1"/>
+          </a:effectRef>
+          <a:fontRef idx="minor">
+            <a:schemeClr val="tx1"/>
+          </a:fontRef>
+        </p:style>
+      </p:cxnSp>
+      <p:cxnSp>
+        <p:nvCxnSpPr>
+          <p:cNvPr id="86" name="直线连接符 85">
+            <a:extLst>
+              <a:ext uri="{FF2B5EF4-FFF2-40B4-BE49-F238E27FC236}">
+                <a16:creationId xmlns:a16="http://schemas.microsoft.com/office/drawing/2014/main" id="{67DD5A37-2611-3F49-92B4-0B713557FA2B}"/>
+              </a:ext>
+            </a:extLst>
+          </p:cNvPr>
+          <p:cNvCxnSpPr>
+            <a:stCxn id="10" idx="6"/>
+            <a:endCxn id="22" idx="2"/>
+          </p:cNvCxnSpPr>
+          <p:nvPr/>
+        </p:nvCxnSpPr>
+        <p:spPr>
+          <a:xfrm>
+            <a:off x="4002204" y="2329458"/>
+            <a:ext cx="1360711" cy="1783572"/>
+          </a:xfrm>
+          <a:prstGeom prst="line">
+            <a:avLst/>
+          </a:prstGeom>
+        </p:spPr>
+        <p:style>
+          <a:lnRef idx="1">
+            <a:schemeClr val="accent1"/>
+          </a:lnRef>
+          <a:fillRef idx="0">
+            <a:schemeClr val="accent1"/>
+          </a:fillRef>
+          <a:effectRef idx="0">
+            <a:schemeClr val="accent1"/>
+          </a:effectRef>
+          <a:fontRef idx="minor">
+            <a:schemeClr val="tx1"/>
+          </a:fontRef>
+        </p:style>
+      </p:cxnSp>
+      <p:cxnSp>
+        <p:nvCxnSpPr>
+          <p:cNvPr id="88" name="直线连接符 87">
+            <a:extLst>
+              <a:ext uri="{FF2B5EF4-FFF2-40B4-BE49-F238E27FC236}">
+                <a16:creationId xmlns:a16="http://schemas.microsoft.com/office/drawing/2014/main" id="{25E18392-6534-BD44-A499-0C8DE8FC3BD8}"/>
+              </a:ext>
+            </a:extLst>
+          </p:cNvPr>
+          <p:cNvCxnSpPr>
+            <a:stCxn id="14" idx="6"/>
+            <a:endCxn id="17" idx="2"/>
+          </p:cNvCxnSpPr>
+          <p:nvPr/>
+        </p:nvCxnSpPr>
+        <p:spPr>
+          <a:xfrm flipV="1">
+            <a:off x="3998266" y="1056249"/>
+            <a:ext cx="1342935" cy="3063866"/>
+          </a:xfrm>
+          <a:prstGeom prst="line">
+            <a:avLst/>
+          </a:prstGeom>
+        </p:spPr>
+        <p:style>
+          <a:lnRef idx="1">
+            <a:schemeClr val="accent1"/>
+          </a:lnRef>
+          <a:fillRef idx="0">
+            <a:schemeClr val="accent1"/>
+          </a:fillRef>
+          <a:effectRef idx="0">
+            <a:schemeClr val="accent1"/>
+          </a:effectRef>
+          <a:fontRef idx="minor">
+            <a:schemeClr val="tx1"/>
+          </a:fontRef>
+        </p:style>
+      </p:cxnSp>
+      <p:cxnSp>
+        <p:nvCxnSpPr>
+          <p:cNvPr id="90" name="直线连接符 89">
+            <a:extLst>
+              <a:ext uri="{FF2B5EF4-FFF2-40B4-BE49-F238E27FC236}">
+                <a16:creationId xmlns:a16="http://schemas.microsoft.com/office/drawing/2014/main" id="{F26B64E1-DC20-424E-8D9D-4F8D11C3A87A}"/>
+              </a:ext>
+            </a:extLst>
+          </p:cNvPr>
+          <p:cNvCxnSpPr>
+            <a:stCxn id="14" idx="6"/>
+            <a:endCxn id="18" idx="2"/>
+          </p:cNvCxnSpPr>
+          <p:nvPr/>
+        </p:nvCxnSpPr>
+        <p:spPr>
+          <a:xfrm flipV="1">
+            <a:off x="3998266" y="2344396"/>
+            <a:ext cx="1342934" cy="1775719"/>
+          </a:xfrm>
+          <a:prstGeom prst="line">
+            <a:avLst/>
+          </a:prstGeom>
+        </p:spPr>
+        <p:style>
+          <a:lnRef idx="1">
+            <a:schemeClr val="accent1"/>
+          </a:lnRef>
+          <a:fillRef idx="0">
+            <a:schemeClr val="accent1"/>
+          </a:fillRef>
+          <a:effectRef idx="0">
+            <a:schemeClr val="accent1"/>
+          </a:effectRef>
+          <a:fontRef idx="minor">
+            <a:schemeClr val="tx1"/>
+          </a:fontRef>
+        </p:style>
+      </p:cxnSp>
+      <p:cxnSp>
+        <p:nvCxnSpPr>
+          <p:cNvPr id="92" name="直线连接符 91">
+            <a:extLst>
+              <a:ext uri="{FF2B5EF4-FFF2-40B4-BE49-F238E27FC236}">
+                <a16:creationId xmlns:a16="http://schemas.microsoft.com/office/drawing/2014/main" id="{9E1361DA-44D4-DF44-9660-4C140117644B}"/>
+              </a:ext>
+            </a:extLst>
+          </p:cNvPr>
+          <p:cNvCxnSpPr>
+            <a:stCxn id="14" idx="6"/>
+            <a:endCxn id="22" idx="2"/>
+          </p:cNvCxnSpPr>
+          <p:nvPr/>
+        </p:nvCxnSpPr>
+        <p:spPr>
+          <a:xfrm flipV="1">
+            <a:off x="3998266" y="4113030"/>
+            <a:ext cx="1364649" cy="7085"/>
+          </a:xfrm>
+          <a:prstGeom prst="line">
+            <a:avLst/>
+          </a:prstGeom>
+        </p:spPr>
+        <p:style>
+          <a:lnRef idx="1">
+            <a:schemeClr val="accent1"/>
+          </a:lnRef>
+          <a:fillRef idx="0">
+            <a:schemeClr val="accent1"/>
+          </a:fillRef>
+          <a:effectRef idx="0">
+            <a:schemeClr val="accent1"/>
+          </a:effectRef>
+          <a:fontRef idx="minor">
+            <a:schemeClr val="tx1"/>
+          </a:fontRef>
+        </p:style>
+      </p:cxnSp>
+      <p:sp>
+        <p:nvSpPr>
+          <p:cNvPr id="93" name="椭圆 92">
+            <a:extLst>
+              <a:ext uri="{FF2B5EF4-FFF2-40B4-BE49-F238E27FC236}">
+                <a16:creationId xmlns:a16="http://schemas.microsoft.com/office/drawing/2014/main" id="{2AB1F6CB-D85F-9944-A3F2-8078AF877CD5}"/>
+              </a:ext>
+            </a:extLst>
+          </p:cNvPr>
+          <p:cNvSpPr/>
+          <p:nvPr/>
+        </p:nvSpPr>
+        <p:spPr>
+          <a:xfrm>
+            <a:off x="6789002" y="2357388"/>
+            <a:ext cx="478302" cy="478302"/>
+          </a:xfrm>
+          <a:prstGeom prst="ellipse">
+            <a:avLst/>
+          </a:prstGeom>
+          <a:noFill/>
+        </p:spPr>
+        <p:style>
+          <a:lnRef idx="2">
+            <a:schemeClr val="accent1">
+              <a:shade val="50000"/>
+            </a:schemeClr>
+          </a:lnRef>
+          <a:fillRef idx="1">
+            <a:schemeClr val="accent1"/>
+          </a:fillRef>
+          <a:effectRef idx="0">
+            <a:schemeClr val="accent1"/>
+          </a:effectRef>
+          <a:fontRef idx="minor">
+            <a:schemeClr val="lt1"/>
+          </a:fontRef>
+        </p:style>
+        <p:txBody>
+          <a:bodyPr rtlCol="0" anchor="ctr"/>
+          <a:lstStyle/>
+          <a:p>
+            <a:pPr algn="ctr"/>
+            <a:endParaRPr kumimoji="1" lang="zh-CN" altLang="en-US"/>
+          </a:p>
+        </p:txBody>
+      </p:sp>
+      <p:cxnSp>
+        <p:nvCxnSpPr>
+          <p:cNvPr id="95" name="直线连接符 94">
+            <a:extLst>
+              <a:ext uri="{FF2B5EF4-FFF2-40B4-BE49-F238E27FC236}">
+                <a16:creationId xmlns:a16="http://schemas.microsoft.com/office/drawing/2014/main" id="{73015241-0288-AF44-8B07-22995D91ACCC}"/>
+              </a:ext>
+            </a:extLst>
+          </p:cNvPr>
+          <p:cNvCxnSpPr>
+            <a:stCxn id="17" idx="6"/>
+            <a:endCxn id="93" idx="2"/>
+          </p:cNvCxnSpPr>
+          <p:nvPr/>
+        </p:nvCxnSpPr>
+        <p:spPr>
+          <a:xfrm>
+            <a:off x="5667103" y="1056249"/>
+            <a:ext cx="1121899" cy="1540290"/>
+          </a:xfrm>
+          <a:prstGeom prst="line">
+            <a:avLst/>
+          </a:prstGeom>
+        </p:spPr>
+        <p:style>
+          <a:lnRef idx="1">
+            <a:schemeClr val="accent1"/>
+          </a:lnRef>
+          <a:fillRef idx="0">
+            <a:schemeClr val="accent1"/>
+          </a:fillRef>
+          <a:effectRef idx="0">
+            <a:schemeClr val="accent1"/>
+          </a:effectRef>
+          <a:fontRef idx="minor">
+            <a:schemeClr val="tx1"/>
+          </a:fontRef>
+        </p:style>
+      </p:cxnSp>
+      <p:cxnSp>
+        <p:nvCxnSpPr>
+          <p:cNvPr id="97" name="直线连接符 96">
+            <a:extLst>
+              <a:ext uri="{FF2B5EF4-FFF2-40B4-BE49-F238E27FC236}">
+                <a16:creationId xmlns:a16="http://schemas.microsoft.com/office/drawing/2014/main" id="{0797EE80-07BB-2A42-8F64-68BC57711EEB}"/>
+              </a:ext>
+            </a:extLst>
+          </p:cNvPr>
+          <p:cNvCxnSpPr>
+            <a:stCxn id="18" idx="6"/>
+            <a:endCxn id="93" idx="2"/>
+          </p:cNvCxnSpPr>
+          <p:nvPr/>
+        </p:nvCxnSpPr>
+        <p:spPr>
+          <a:xfrm>
+            <a:off x="5667102" y="2344396"/>
+            <a:ext cx="1121900" cy="252143"/>
+          </a:xfrm>
+          <a:prstGeom prst="line">
+            <a:avLst/>
+          </a:prstGeom>
+        </p:spPr>
+        <p:style>
+          <a:lnRef idx="1">
+            <a:schemeClr val="accent1"/>
+          </a:lnRef>
+          <a:fillRef idx="0">
+            <a:schemeClr val="accent1"/>
+          </a:fillRef>
+          <a:effectRef idx="0">
+            <a:schemeClr val="accent1"/>
+          </a:effectRef>
+          <a:fontRef idx="minor">
+            <a:schemeClr val="tx1"/>
+          </a:fontRef>
+        </p:style>
+      </p:cxnSp>
+      <p:cxnSp>
+        <p:nvCxnSpPr>
+          <p:cNvPr id="99" name="直线连接符 98">
+            <a:extLst>
+              <a:ext uri="{FF2B5EF4-FFF2-40B4-BE49-F238E27FC236}">
+                <a16:creationId xmlns:a16="http://schemas.microsoft.com/office/drawing/2014/main" id="{42EDE159-3C23-A541-B511-9279006874F0}"/>
+              </a:ext>
+            </a:extLst>
+          </p:cNvPr>
+          <p:cNvCxnSpPr>
+            <a:stCxn id="22" idx="6"/>
+            <a:endCxn id="93" idx="2"/>
+          </p:cNvCxnSpPr>
+          <p:nvPr/>
+        </p:nvCxnSpPr>
+        <p:spPr>
+          <a:xfrm flipV="1">
+            <a:off x="5688817" y="2596539"/>
+            <a:ext cx="1100185" cy="1516491"/>
+          </a:xfrm>
+          <a:prstGeom prst="line">
+            <a:avLst/>
+          </a:prstGeom>
+        </p:spPr>
+        <p:style>
+          <a:lnRef idx="1">
+            <a:schemeClr val="accent1"/>
+          </a:lnRef>
+          <a:fillRef idx="0">
+            <a:schemeClr val="accent1"/>
+          </a:fillRef>
+          <a:effectRef idx="0">
+            <a:schemeClr val="accent1"/>
+          </a:effectRef>
+          <a:fontRef idx="minor">
+            <a:schemeClr val="tx1"/>
+          </a:fontRef>
+        </p:style>
+      </p:cxnSp>
+      <mc:AlternateContent xmlns:mc="http://schemas.openxmlformats.org/markup-compatibility/2006">
+        <mc:Choice xmlns:a14="http://schemas.microsoft.com/office/drawing/2010/main" Requires="a14">
+          <p:sp>
+            <p:nvSpPr>
+              <p:cNvPr id="101" name="文本框 100">
+                <a:extLst>
+                  <a:ext uri="{FF2B5EF4-FFF2-40B4-BE49-F238E27FC236}">
+                    <a16:creationId xmlns:a16="http://schemas.microsoft.com/office/drawing/2014/main" id="{DEFB9D19-F844-8040-8A00-35273B8962A5}"/>
+                  </a:ext>
+                </a:extLst>
+              </p:cNvPr>
+              <p:cNvSpPr txBox="1"/>
+              <p:nvPr/>
+            </p:nvSpPr>
+            <p:spPr>
+              <a:xfrm>
+                <a:off x="1166768" y="1261021"/>
+                <a:ext cx="769506" cy="394660"/>
+              </a:xfrm>
+              <a:prstGeom prst="rect">
+                <a:avLst/>
+              </a:prstGeom>
+              <a:noFill/>
+            </p:spPr>
+            <p:txBody>
+              <a:bodyPr wrap="none" rtlCol="0">
+                <a:spAutoFit/>
+              </a:bodyPr>
+              <a:lstStyle/>
+              <a:p>
+                <a14:m>
+                  <m:oMathPara xmlns:m="http://schemas.openxmlformats.org/officeDocument/2006/math">
+                    <m:oMathParaPr>
+                      <m:jc m:val="centerGroup"/>
+                    </m:oMathParaPr>
+                    <m:oMath xmlns:m="http://schemas.openxmlformats.org/officeDocument/2006/math">
+                      <m:sSub>
+                        <m:sSubPr>
+                          <m:ctrlPr>
+                            <a:rPr kumimoji="1" lang="en-US" altLang="zh-CN" i="1" smtClean="0">
+                              <a:latin typeface="Cambria Math" panose="02040503050406030204" pitchFamily="18" charset="0"/>
+                            </a:rPr>
+                          </m:ctrlPr>
+                        </m:sSubPr>
+                        <m:e>
+                          <m:r>
+                            <a:rPr kumimoji="1" lang="en-US" altLang="zh-CN" b="0" i="1" smtClean="0">
+                              <a:latin typeface="Cambria Math" panose="02040503050406030204" pitchFamily="18" charset="0"/>
+                            </a:rPr>
+                            <m:t>𝑝</m:t>
+                          </m:r>
+                        </m:e>
+                        <m:sub>
+                          <m:sSub>
+                            <m:sSubPr>
+                              <m:ctrlPr>
+                                <a:rPr kumimoji="1" lang="en-US" altLang="zh-CN" i="1" smtClean="0">
+                                  <a:latin typeface="Cambria Math" panose="02040503050406030204" pitchFamily="18" charset="0"/>
+                                </a:rPr>
+                              </m:ctrlPr>
+                            </m:sSubPr>
+                            <m:e>
+                              <m:r>
+                                <a:rPr kumimoji="1" lang="en-US" altLang="zh-CN" b="0" i="1" smtClean="0">
+                                  <a:latin typeface="Cambria Math" panose="02040503050406030204" pitchFamily="18" charset="0"/>
+                                </a:rPr>
+                                <m:t>𝑡</m:t>
+                              </m:r>
+                            </m:e>
+                            <m:sub>
+                              <m:r>
+                                <a:rPr kumimoji="1" lang="en-US" altLang="zh-CN" b="0" i="1" smtClean="0">
+                                  <a:latin typeface="Cambria Math" panose="02040503050406030204" pitchFamily="18" charset="0"/>
+                                </a:rPr>
+                                <m:t>0</m:t>
+                              </m:r>
+                            </m:sub>
+                          </m:sSub>
+                          <m:r>
+                            <a:rPr kumimoji="1" lang="en-US" altLang="zh-CN" b="0" i="1" smtClean="0">
+                              <a:latin typeface="Cambria Math" panose="02040503050406030204" pitchFamily="18" charset="0"/>
+                            </a:rPr>
+                            <m:t>−</m:t>
+                          </m:r>
+                          <m:r>
+                            <a:rPr kumimoji="1" lang="en-US" altLang="zh-CN" b="0" i="1" smtClean="0">
+                              <a:latin typeface="Cambria Math" panose="02040503050406030204" pitchFamily="18" charset="0"/>
+                            </a:rPr>
+                            <m:t>𝑘</m:t>
+                          </m:r>
+                        </m:sub>
+                      </m:sSub>
+                    </m:oMath>
+                  </m:oMathPara>
+                </a14:m>
+                <a:endParaRPr kumimoji="1" lang="zh-CN" altLang="en-US" dirty="0"/>
+              </a:p>
+            </p:txBody>
+          </p:sp>
+        </mc:Choice>
+        <mc:Fallback>
+          <p:sp>
+            <p:nvSpPr>
+              <p:cNvPr id="101" name="文本框 100">
+                <a:extLst>
+                  <a:ext uri="{FF2B5EF4-FFF2-40B4-BE49-F238E27FC236}">
+                    <a16:creationId xmlns:a16="http://schemas.microsoft.com/office/drawing/2014/main" id="{DEFB9D19-F844-8040-8A00-35273B8962A5}"/>
+                  </a:ext>
+                </a:extLst>
+              </p:cNvPr>
+              <p:cNvSpPr txBox="1">
+                <a:spLocks noRot="1" noChangeAspect="1" noMove="1" noResize="1" noEditPoints="1" noAdjustHandles="1" noChangeArrowheads="1" noChangeShapeType="1" noTextEdit="1"/>
+              </p:cNvSpPr>
+              <p:nvPr/>
+            </p:nvSpPr>
+            <p:spPr>
+              <a:xfrm>
+                <a:off x="1166768" y="1261021"/>
+                <a:ext cx="769506" cy="394660"/>
+              </a:xfrm>
+              <a:prstGeom prst="rect">
+                <a:avLst/>
+              </a:prstGeom>
+              <a:blipFill>
+                <a:blip r:embed="rId2"/>
+                <a:stretch>
+                  <a:fillRect/>
+                </a:stretch>
+              </a:blipFill>
+            </p:spPr>
+            <p:txBody>
+              <a:bodyPr/>
+              <a:lstStyle/>
+              <a:p>
+                <a:r>
+                  <a:rPr lang="zh-CN" altLang="en-US">
+                    <a:noFill/>
+                  </a:rPr>
+                  <a:t> </a:t>
+                </a:r>
+              </a:p>
+            </p:txBody>
+          </p:sp>
+        </mc:Fallback>
+      </mc:AlternateContent>
+      <mc:AlternateContent xmlns:mc="http://schemas.openxmlformats.org/markup-compatibility/2006">
+        <mc:Choice xmlns:a14="http://schemas.microsoft.com/office/drawing/2010/main" Requires="a14">
+          <p:sp>
+            <p:nvSpPr>
+              <p:cNvPr id="102" name="文本框 101">
+                <a:extLst>
+                  <a:ext uri="{FF2B5EF4-FFF2-40B4-BE49-F238E27FC236}">
+                    <a16:creationId xmlns:a16="http://schemas.microsoft.com/office/drawing/2014/main" id="{B3B8BA11-8D80-B54C-A937-7002A92F2DE8}"/>
+                  </a:ext>
+                </a:extLst>
+              </p:cNvPr>
+              <p:cNvSpPr txBox="1"/>
+              <p:nvPr/>
+            </p:nvSpPr>
+            <p:spPr>
+              <a:xfrm>
+                <a:off x="1084459" y="2394573"/>
+                <a:ext cx="759760" cy="394660"/>
+              </a:xfrm>
+              <a:prstGeom prst="rect">
+                <a:avLst/>
+              </a:prstGeom>
+              <a:noFill/>
+            </p:spPr>
+            <p:txBody>
+              <a:bodyPr wrap="none" rtlCol="0">
+                <a:spAutoFit/>
+              </a:bodyPr>
+              <a:lstStyle/>
+              <a:p>
+                <a14:m>
+                  <m:oMathPara xmlns:m="http://schemas.openxmlformats.org/officeDocument/2006/math">
+                    <m:oMathParaPr>
+                      <m:jc m:val="centerGroup"/>
+                    </m:oMathParaPr>
+                    <m:oMath xmlns:m="http://schemas.openxmlformats.org/officeDocument/2006/math">
+                      <m:sSub>
+                        <m:sSubPr>
+                          <m:ctrlPr>
+                            <a:rPr kumimoji="1" lang="en-US" altLang="zh-CN" i="1" smtClean="0">
+                              <a:latin typeface="Cambria Math" panose="02040503050406030204" pitchFamily="18" charset="0"/>
+                            </a:rPr>
+                          </m:ctrlPr>
+                        </m:sSubPr>
+                        <m:e>
+                          <m:r>
+                            <a:rPr kumimoji="1" lang="en-US" altLang="zh-CN" b="0" i="1" smtClean="0">
+                              <a:latin typeface="Cambria Math" panose="02040503050406030204" pitchFamily="18" charset="0"/>
+                            </a:rPr>
+                            <m:t>𝑝</m:t>
+                          </m:r>
+                        </m:e>
+                        <m:sub>
+                          <m:sSub>
+                            <m:sSubPr>
+                              <m:ctrlPr>
+                                <a:rPr kumimoji="1" lang="en-US" altLang="zh-CN" i="1" smtClean="0">
+                                  <a:latin typeface="Cambria Math" panose="02040503050406030204" pitchFamily="18" charset="0"/>
+                                </a:rPr>
+                              </m:ctrlPr>
+                            </m:sSubPr>
+                            <m:e>
+                              <m:r>
+                                <a:rPr kumimoji="1" lang="en-US" altLang="zh-CN" b="0" i="1" smtClean="0">
+                                  <a:latin typeface="Cambria Math" panose="02040503050406030204" pitchFamily="18" charset="0"/>
+                                </a:rPr>
+                                <m:t>𝑡</m:t>
+                              </m:r>
+                            </m:e>
+                            <m:sub>
+                              <m:r>
+                                <a:rPr kumimoji="1" lang="en-US" altLang="zh-CN" b="0" i="1" smtClean="0">
+                                  <a:latin typeface="Cambria Math" panose="02040503050406030204" pitchFamily="18" charset="0"/>
+                                </a:rPr>
+                                <m:t>0</m:t>
+                              </m:r>
+                            </m:sub>
+                          </m:sSub>
+                          <m:r>
+                            <a:rPr kumimoji="1" lang="en-US" altLang="zh-CN" b="0" i="1" smtClean="0">
+                              <a:latin typeface="Cambria Math" panose="02040503050406030204" pitchFamily="18" charset="0"/>
+                            </a:rPr>
+                            <m:t>−1</m:t>
+                          </m:r>
+                        </m:sub>
+                      </m:sSub>
+                    </m:oMath>
+                  </m:oMathPara>
+                </a14:m>
+                <a:endParaRPr kumimoji="1" lang="zh-CN" altLang="en-US" dirty="0"/>
+              </a:p>
+            </p:txBody>
+          </p:sp>
+        </mc:Choice>
+        <mc:Fallback>
+          <p:sp>
+            <p:nvSpPr>
+              <p:cNvPr id="102" name="文本框 101">
+                <a:extLst>
+                  <a:ext uri="{FF2B5EF4-FFF2-40B4-BE49-F238E27FC236}">
+                    <a16:creationId xmlns:a16="http://schemas.microsoft.com/office/drawing/2014/main" id="{B3B8BA11-8D80-B54C-A937-7002A92F2DE8}"/>
+                  </a:ext>
+                </a:extLst>
+              </p:cNvPr>
+              <p:cNvSpPr txBox="1">
+                <a:spLocks noRot="1" noChangeAspect="1" noMove="1" noResize="1" noEditPoints="1" noAdjustHandles="1" noChangeArrowheads="1" noChangeShapeType="1" noTextEdit="1"/>
+              </p:cNvSpPr>
+              <p:nvPr/>
+            </p:nvSpPr>
+            <p:spPr>
+              <a:xfrm>
+                <a:off x="1084459" y="2394573"/>
+                <a:ext cx="759760" cy="394660"/>
+              </a:xfrm>
+              <a:prstGeom prst="rect">
+                <a:avLst/>
+              </a:prstGeom>
+              <a:blipFill>
+                <a:blip r:embed="rId3"/>
+                <a:stretch>
+                  <a:fillRect/>
+                </a:stretch>
+              </a:blipFill>
+            </p:spPr>
+            <p:txBody>
+              <a:bodyPr/>
+              <a:lstStyle/>
+              <a:p>
+                <a:r>
+                  <a:rPr lang="zh-CN" altLang="en-US">
+                    <a:noFill/>
+                  </a:rPr>
+                  <a:t> </a:t>
+                </a:r>
+              </a:p>
+            </p:txBody>
+          </p:sp>
+        </mc:Fallback>
+      </mc:AlternateContent>
+      <mc:AlternateContent xmlns:mc="http://schemas.openxmlformats.org/markup-compatibility/2006">
+        <mc:Choice xmlns:a14="http://schemas.microsoft.com/office/drawing/2010/main" Requires="a14">
+          <p:sp>
+            <p:nvSpPr>
+              <p:cNvPr id="103" name="文本框 102">
+                <a:extLst>
+                  <a:ext uri="{FF2B5EF4-FFF2-40B4-BE49-F238E27FC236}">
+                    <a16:creationId xmlns:a16="http://schemas.microsoft.com/office/drawing/2014/main" id="{17112D6B-8832-2549-965F-74F70A7B7A30}"/>
+                  </a:ext>
+                </a:extLst>
+              </p:cNvPr>
+              <p:cNvSpPr txBox="1"/>
+              <p:nvPr/>
+            </p:nvSpPr>
+            <p:spPr>
+              <a:xfrm>
+                <a:off x="1166768" y="3473361"/>
+                <a:ext cx="540148" cy="394660"/>
+              </a:xfrm>
+              <a:prstGeom prst="rect">
+                <a:avLst/>
+              </a:prstGeom>
+              <a:noFill/>
+            </p:spPr>
+            <p:txBody>
+              <a:bodyPr wrap="none" rtlCol="0">
+                <a:spAutoFit/>
+              </a:bodyPr>
+              <a:lstStyle/>
+              <a:p>
+                <a14:m>
+                  <m:oMathPara xmlns:m="http://schemas.openxmlformats.org/officeDocument/2006/math">
+                    <m:oMathParaPr>
+                      <m:jc m:val="centerGroup"/>
+                    </m:oMathParaPr>
+                    <m:oMath xmlns:m="http://schemas.openxmlformats.org/officeDocument/2006/math">
+                      <m:sSub>
+                        <m:sSubPr>
+                          <m:ctrlPr>
+                            <a:rPr kumimoji="1" lang="en-US" altLang="zh-CN" i="1" smtClean="0">
+                              <a:latin typeface="Cambria Math" panose="02040503050406030204" pitchFamily="18" charset="0"/>
+                            </a:rPr>
+                          </m:ctrlPr>
+                        </m:sSubPr>
+                        <m:e>
+                          <m:r>
+                            <a:rPr kumimoji="1" lang="en-US" altLang="zh-CN" b="0" i="1" smtClean="0">
+                              <a:latin typeface="Cambria Math" panose="02040503050406030204" pitchFamily="18" charset="0"/>
+                            </a:rPr>
+                            <m:t>𝑝</m:t>
+                          </m:r>
+                        </m:e>
+                        <m:sub>
+                          <m:sSub>
+                            <m:sSubPr>
+                              <m:ctrlPr>
+                                <a:rPr kumimoji="1" lang="en-US" altLang="zh-CN" i="1" smtClean="0">
+                                  <a:latin typeface="Cambria Math" panose="02040503050406030204" pitchFamily="18" charset="0"/>
+                                </a:rPr>
+                              </m:ctrlPr>
+                            </m:sSubPr>
+                            <m:e>
+                              <m:r>
+                                <a:rPr kumimoji="1" lang="en-US" altLang="zh-CN" b="0" i="1" smtClean="0">
+                                  <a:latin typeface="Cambria Math" panose="02040503050406030204" pitchFamily="18" charset="0"/>
+                                </a:rPr>
+                                <m:t>𝑡</m:t>
+                              </m:r>
+                            </m:e>
+                            <m:sub>
+                              <m:r>
+                                <a:rPr kumimoji="1" lang="en-US" altLang="zh-CN" b="0" i="1" smtClean="0">
+                                  <a:latin typeface="Cambria Math" panose="02040503050406030204" pitchFamily="18" charset="0"/>
+                                </a:rPr>
+                                <m:t>0</m:t>
+                              </m:r>
+                            </m:sub>
+                          </m:sSub>
+                        </m:sub>
+                      </m:sSub>
+                    </m:oMath>
+                  </m:oMathPara>
+                </a14:m>
+                <a:endParaRPr kumimoji="1" lang="zh-CN" altLang="en-US" dirty="0"/>
+              </a:p>
+            </p:txBody>
+          </p:sp>
+        </mc:Choice>
+        <mc:Fallback>
+          <p:sp>
+            <p:nvSpPr>
+              <p:cNvPr id="103" name="文本框 102">
+                <a:extLst>
+                  <a:ext uri="{FF2B5EF4-FFF2-40B4-BE49-F238E27FC236}">
+                    <a16:creationId xmlns:a16="http://schemas.microsoft.com/office/drawing/2014/main" id="{17112D6B-8832-2549-965F-74F70A7B7A30}"/>
+                  </a:ext>
+                </a:extLst>
+              </p:cNvPr>
+              <p:cNvSpPr txBox="1">
+                <a:spLocks noRot="1" noChangeAspect="1" noMove="1" noResize="1" noEditPoints="1" noAdjustHandles="1" noChangeArrowheads="1" noChangeShapeType="1" noTextEdit="1"/>
+              </p:cNvSpPr>
+              <p:nvPr/>
+            </p:nvSpPr>
+            <p:spPr>
+              <a:xfrm>
+                <a:off x="1166768" y="3473361"/>
+                <a:ext cx="540148" cy="394660"/>
+              </a:xfrm>
+              <a:prstGeom prst="rect">
+                <a:avLst/>
+              </a:prstGeom>
+              <a:blipFill>
+                <a:blip r:embed="rId4"/>
+                <a:stretch>
+                  <a:fillRect/>
+                </a:stretch>
+              </a:blipFill>
+            </p:spPr>
+            <p:txBody>
+              <a:bodyPr/>
+              <a:lstStyle/>
+              <a:p>
+                <a:r>
+                  <a:rPr lang="zh-CN" altLang="en-US">
+                    <a:noFill/>
+                  </a:rPr>
+                  <a:t> </a:t>
+                </a:r>
+              </a:p>
+            </p:txBody>
+          </p:sp>
+        </mc:Fallback>
+      </mc:AlternateContent>
+      <mc:AlternateContent xmlns:mc="http://schemas.openxmlformats.org/markup-compatibility/2006">
+        <mc:Choice xmlns:a14="http://schemas.microsoft.com/office/drawing/2010/main" Requires="a14">
+          <p:sp>
+            <p:nvSpPr>
+              <p:cNvPr id="104" name="文本框 103">
+                <a:extLst>
+                  <a:ext uri="{FF2B5EF4-FFF2-40B4-BE49-F238E27FC236}">
+                    <a16:creationId xmlns:a16="http://schemas.microsoft.com/office/drawing/2014/main" id="{EFE70871-E9E4-CF49-9B73-F3F6192A481E}"/>
+                  </a:ext>
+                </a:extLst>
+              </p:cNvPr>
+              <p:cNvSpPr txBox="1"/>
+              <p:nvPr/>
+            </p:nvSpPr>
+            <p:spPr>
+              <a:xfrm>
+                <a:off x="7404283" y="2387309"/>
+                <a:ext cx="740203" cy="394660"/>
+              </a:xfrm>
+              <a:prstGeom prst="rect">
+                <a:avLst/>
+              </a:prstGeom>
+              <a:noFill/>
+            </p:spPr>
+            <p:txBody>
+              <a:bodyPr wrap="none" rtlCol="0">
+                <a:spAutoFit/>
+              </a:bodyPr>
+              <a:lstStyle/>
+              <a:p>
+                <a14:m>
+                  <m:oMathPara xmlns:m="http://schemas.openxmlformats.org/officeDocument/2006/math">
+                    <m:oMathParaPr>
+                      <m:jc m:val="centerGroup"/>
+                    </m:oMathParaPr>
+                    <m:oMath xmlns:m="http://schemas.openxmlformats.org/officeDocument/2006/math">
+                      <m:sSub>
+                        <m:sSubPr>
+                          <m:ctrlPr>
+                            <a:rPr kumimoji="1" lang="en-US" altLang="zh-CN" i="1" smtClean="0">
+                              <a:latin typeface="Cambria Math" panose="02040503050406030204" pitchFamily="18" charset="0"/>
+                            </a:rPr>
+                          </m:ctrlPr>
+                        </m:sSubPr>
+                        <m:e>
+                          <m:r>
+                            <a:rPr kumimoji="1" lang="en-US" altLang="zh-CN" b="0" i="1" smtClean="0">
+                              <a:latin typeface="Cambria Math" panose="02040503050406030204" pitchFamily="18" charset="0"/>
+                            </a:rPr>
+                            <m:t>𝑝</m:t>
+                          </m:r>
+                        </m:e>
+                        <m:sub>
+                          <m:sSub>
+                            <m:sSubPr>
+                              <m:ctrlPr>
+                                <a:rPr kumimoji="1" lang="en-US" altLang="zh-CN" i="1" smtClean="0">
+                                  <a:latin typeface="Cambria Math" panose="02040503050406030204" pitchFamily="18" charset="0"/>
+                                </a:rPr>
+                              </m:ctrlPr>
+                            </m:sSubPr>
+                            <m:e>
+                              <m:r>
+                                <a:rPr kumimoji="1" lang="en-US" altLang="zh-CN" b="0" i="1" smtClean="0">
+                                  <a:latin typeface="Cambria Math" panose="02040503050406030204" pitchFamily="18" charset="0"/>
+                                </a:rPr>
+                                <m:t>𝑡</m:t>
+                              </m:r>
+                            </m:e>
+                            <m:sub>
+                              <m:r>
+                                <a:rPr kumimoji="1" lang="en-US" altLang="zh-CN" b="0" i="1" smtClean="0">
+                                  <a:latin typeface="Cambria Math" panose="02040503050406030204" pitchFamily="18" charset="0"/>
+                                </a:rPr>
+                                <m:t>0</m:t>
+                              </m:r>
+                            </m:sub>
+                          </m:sSub>
+                          <m:r>
+                            <a:rPr kumimoji="1" lang="en-US" altLang="zh-CN" b="0" i="1" smtClean="0">
+                              <a:latin typeface="Cambria Math" panose="02040503050406030204" pitchFamily="18" charset="0"/>
+                            </a:rPr>
+                            <m:t>+</m:t>
+                          </m:r>
+                          <m:r>
+                            <a:rPr kumimoji="1" lang="en-US" altLang="zh-CN" b="0" i="1" smtClean="0">
+                              <a:latin typeface="Cambria Math" panose="02040503050406030204" pitchFamily="18" charset="0"/>
+                            </a:rPr>
+                            <m:t>𝑡</m:t>
+                          </m:r>
+                        </m:sub>
+                      </m:sSub>
+                    </m:oMath>
+                  </m:oMathPara>
+                </a14:m>
+                <a:endParaRPr kumimoji="1" lang="zh-CN" altLang="en-US" dirty="0"/>
+              </a:p>
+            </p:txBody>
+          </p:sp>
+        </mc:Choice>
+        <mc:Fallback>
+          <p:sp>
+            <p:nvSpPr>
+              <p:cNvPr id="104" name="文本框 103">
+                <a:extLst>
+                  <a:ext uri="{FF2B5EF4-FFF2-40B4-BE49-F238E27FC236}">
+                    <a16:creationId xmlns:a16="http://schemas.microsoft.com/office/drawing/2014/main" id="{EFE70871-E9E4-CF49-9B73-F3F6192A481E}"/>
+                  </a:ext>
+                </a:extLst>
+              </p:cNvPr>
+              <p:cNvSpPr txBox="1">
+                <a:spLocks noRot="1" noChangeAspect="1" noMove="1" noResize="1" noEditPoints="1" noAdjustHandles="1" noChangeArrowheads="1" noChangeShapeType="1" noTextEdit="1"/>
+              </p:cNvSpPr>
+              <p:nvPr/>
+            </p:nvSpPr>
+            <p:spPr>
+              <a:xfrm>
+                <a:off x="7404283" y="2387309"/>
+                <a:ext cx="740203" cy="394660"/>
+              </a:xfrm>
+              <a:prstGeom prst="rect">
+                <a:avLst/>
+              </a:prstGeom>
+              <a:blipFill>
+                <a:blip r:embed="rId5"/>
+                <a:stretch>
+                  <a:fillRect/>
+                </a:stretch>
+              </a:blipFill>
+            </p:spPr>
+            <p:txBody>
+              <a:bodyPr/>
+              <a:lstStyle/>
+              <a:p>
+                <a:r>
+                  <a:rPr lang="zh-CN" altLang="en-US">
+                    <a:noFill/>
+                  </a:rPr>
+                  <a:t> </a:t>
+                </a:r>
+              </a:p>
+            </p:txBody>
+          </p:sp>
+        </mc:Fallback>
+      </mc:AlternateContent>
+    </p:spTree>
+    <p:extLst>
+      <p:ext uri="{BB962C8B-B14F-4D97-AF65-F5344CB8AC3E}">
+        <p14:creationId xmlns:p14="http://schemas.microsoft.com/office/powerpoint/2010/main" val="3372508101"/>
+      </p:ext>
+    </p:extLst>
+  </p:cSld>
+  <p:clrMapOvr>
+    <a:masterClrMapping/>
+  </p:clrMapOvr>
+</p:sld>
+</file>
+
+<file path=ppt/slides/slide6.xml><?xml version="1.0" encoding="utf-8"?>
+<p:sld xmlns:a="http://schemas.openxmlformats.org/drawingml/2006/main" xmlns:r="http://schemas.openxmlformats.org/officeDocument/2006/relationships" xmlns:p="http://schemas.openxmlformats.org/presentationml/2006/main">
+  <p:cSld>
+    <p:spTree>
+      <p:nvGrpSpPr>
+        <p:cNvPr id="1" name=""/>
+        <p:cNvGrpSpPr/>
+        <p:nvPr/>
+      </p:nvGrpSpPr>
+      <p:grpSpPr>
+        <a:xfrm>
+          <a:off x="0" y="0"/>
+          <a:ext cx="0" cy="0"/>
+          <a:chOff x="0" y="0"/>
+          <a:chExt cx="0" cy="0"/>
+        </a:xfrm>
+      </p:grpSpPr>
+      <p:pic>
+        <p:nvPicPr>
+          <p:cNvPr id="5" name="内容占位符 4">
+            <a:extLst>
+              <a:ext uri="{FF2B5EF4-FFF2-40B4-BE49-F238E27FC236}">
+                <a16:creationId xmlns:a16="http://schemas.microsoft.com/office/drawing/2014/main" id="{415F5304-07B2-864A-AFA5-D190B0B3CADF}"/>
+              </a:ext>
+            </a:extLst>
+          </p:cNvPr>
+          <p:cNvPicPr>
+            <a:picLocks noGrp="1" noChangeAspect="1"/>
+          </p:cNvPicPr>
+          <p:nvPr>
+            <p:ph idx="1"/>
+          </p:nvPr>
+        </p:nvPicPr>
+        <p:blipFill>
+          <a:blip r:embed="rId2"/>
+          <a:stretch>
+            <a:fillRect/>
+          </a:stretch>
+        </p:blipFill>
+        <p:spPr>
+          <a:xfrm>
+            <a:off x="638852" y="1230085"/>
+            <a:ext cx="9741542" cy="4946877"/>
+          </a:xfrm>
+        </p:spPr>
+      </p:pic>
+      <p:pic>
+        <p:nvPicPr>
+          <p:cNvPr id="6" name="图片 5">
+            <a:extLst>
+              <a:ext uri="{FF2B5EF4-FFF2-40B4-BE49-F238E27FC236}">
+                <a16:creationId xmlns:a16="http://schemas.microsoft.com/office/drawing/2014/main" id="{13770A39-42F8-234B-8FCE-A1C0E8ED8E57}"/>
+              </a:ext>
+            </a:extLst>
+          </p:cNvPr>
+          <p:cNvPicPr>
+            <a:picLocks noChangeAspect="1"/>
+          </p:cNvPicPr>
+          <p:nvPr/>
+        </p:nvPicPr>
+        <p:blipFill>
+          <a:blip r:embed="rId3"/>
+          <a:stretch>
+            <a:fillRect/>
+          </a:stretch>
+        </p:blipFill>
+        <p:spPr>
+          <a:xfrm>
+            <a:off x="9420955" y="4723066"/>
+            <a:ext cx="502169" cy="344079"/>
+          </a:xfrm>
+          <a:prstGeom prst="rect">
+            <a:avLst/>
+          </a:prstGeom>
+        </p:spPr>
+      </p:pic>
+    </p:spTree>
+    <p:extLst>
+      <p:ext uri="{BB962C8B-B14F-4D97-AF65-F5344CB8AC3E}">
+        <p14:creationId xmlns:p14="http://schemas.microsoft.com/office/powerpoint/2010/main" val="615138459"/>
+      </p:ext>
+    </p:extLst>
+  </p:cSld>
+  <p:clrMapOvr>
+    <a:masterClrMapping/>
+  </p:clrMapOvr>
+</p:sld>
+</file>
+
+<file path=ppt/slides/slide7.xml><?xml version="1.0" encoding="utf-8"?>
+<p:sld xmlns:a="http://schemas.openxmlformats.org/drawingml/2006/main" xmlns:r="http://schemas.openxmlformats.org/officeDocument/2006/relationships" xmlns:p="http://schemas.openxmlformats.org/presentationml/2006/main">
+  <p:cSld>
+    <p:spTree>
+      <p:nvGrpSpPr>
+        <p:cNvPr id="1" name=""/>
+        <p:cNvGrpSpPr/>
+        <p:nvPr/>
+      </p:nvGrpSpPr>
+      <p:grpSpPr>
+        <a:xfrm>
+          <a:off x="0" y="0"/>
+          <a:ext cx="0" cy="0"/>
+          <a:chOff x="0" y="0"/>
+          <a:chExt cx="0" cy="0"/>
+        </a:xfrm>
+      </p:grpSpPr>
+      <p:pic>
+        <p:nvPicPr>
+          <p:cNvPr id="5" name="内容占位符 4">
+            <a:extLst>
+              <a:ext uri="{FF2B5EF4-FFF2-40B4-BE49-F238E27FC236}">
+                <a16:creationId xmlns:a16="http://schemas.microsoft.com/office/drawing/2014/main" id="{E3F94524-0345-BA47-BA7C-FDC1ED0C3077}"/>
+              </a:ext>
+            </a:extLst>
+          </p:cNvPr>
+          <p:cNvPicPr>
+            <a:picLocks noGrp="1" noChangeAspect="1"/>
+          </p:cNvPicPr>
+          <p:nvPr>
+            <p:ph idx="1"/>
+          </p:nvPr>
+        </p:nvPicPr>
+        <p:blipFill>
+          <a:blip r:embed="rId2"/>
+          <a:stretch>
+            <a:fillRect/>
+          </a:stretch>
+        </p:blipFill>
+        <p:spPr>
+          <a:xfrm>
+            <a:off x="421107" y="740229"/>
+            <a:ext cx="9460983" cy="5436734"/>
+          </a:xfrm>
+        </p:spPr>
+      </p:pic>
+      <p:pic>
+        <p:nvPicPr>
+          <p:cNvPr id="6" name="图片 5">
+            <a:extLst>
+              <a:ext uri="{FF2B5EF4-FFF2-40B4-BE49-F238E27FC236}">
+                <a16:creationId xmlns:a16="http://schemas.microsoft.com/office/drawing/2014/main" id="{E40D7B64-DC16-9B45-A6BE-E0457BDB4B78}"/>
+              </a:ext>
+            </a:extLst>
+          </p:cNvPr>
+          <p:cNvPicPr>
+            <a:picLocks noChangeAspect="1"/>
+          </p:cNvPicPr>
+          <p:nvPr/>
+        </p:nvPicPr>
+        <p:blipFill>
+          <a:blip r:embed="rId3"/>
+          <a:stretch>
+            <a:fillRect/>
+          </a:stretch>
+        </p:blipFill>
+        <p:spPr>
+          <a:xfrm>
+            <a:off x="8560984" y="4679523"/>
+            <a:ext cx="502169" cy="344079"/>
+          </a:xfrm>
+          <a:prstGeom prst="rect">
+            <a:avLst/>
+          </a:prstGeom>
+        </p:spPr>
+      </p:pic>
+    </p:spTree>
+    <p:extLst>
+      <p:ext uri="{BB962C8B-B14F-4D97-AF65-F5344CB8AC3E}">
+        <p14:creationId xmlns:p14="http://schemas.microsoft.com/office/powerpoint/2010/main" val="4062670079"/>
       </p:ext>
     </p:extLst>
   </p:cSld>
